--- a/figures/Figures.pptx
+++ b/figures/Figures.pptx
@@ -6,7 +6,8 @@
   </p:sldMasterIdLst>
   <p:sldIdLst>
     <p:sldId id="256" r:id="rId2"/>
-    <p:sldId id="257" r:id="rId3"/>
+    <p:sldId id="258" r:id="rId3"/>
+    <p:sldId id="257" r:id="rId4"/>
   </p:sldIdLst>
   <p:sldSz cx="12192000" cy="6858000"/>
   <p:notesSz cx="6858000" cy="9144000"/>
@@ -1194,7 +1195,7 @@
           <a:p>
             <a:fld id="{A84E7E5A-7D61-5648-87E3-1FDC0165F5DF}" type="datetimeFigureOut">
               <a:rPr lang="en-US" smtClean="0"/>
-              <a:t>6/4/22</a:t>
+              <a:t>6/6/22</a:t>
             </a:fld>
             <a:endParaRPr lang="en-US"/>
           </a:p>
@@ -1392,7 +1393,7 @@
           <a:p>
             <a:fld id="{A84E7E5A-7D61-5648-87E3-1FDC0165F5DF}" type="datetimeFigureOut">
               <a:rPr lang="en-US" smtClean="0"/>
-              <a:t>6/4/22</a:t>
+              <a:t>6/6/22</a:t>
             </a:fld>
             <a:endParaRPr lang="en-US"/>
           </a:p>
@@ -1600,7 +1601,7 @@
           <a:p>
             <a:fld id="{A84E7E5A-7D61-5648-87E3-1FDC0165F5DF}" type="datetimeFigureOut">
               <a:rPr lang="en-US" smtClean="0"/>
-              <a:t>6/4/22</a:t>
+              <a:t>6/6/22</a:t>
             </a:fld>
             <a:endParaRPr lang="en-US"/>
           </a:p>
@@ -1798,7 +1799,7 @@
           <a:p>
             <a:fld id="{A84E7E5A-7D61-5648-87E3-1FDC0165F5DF}" type="datetimeFigureOut">
               <a:rPr lang="en-US" smtClean="0"/>
-              <a:t>6/4/22</a:t>
+              <a:t>6/6/22</a:t>
             </a:fld>
             <a:endParaRPr lang="en-US"/>
           </a:p>
@@ -2073,7 +2074,7 @@
           <a:p>
             <a:fld id="{A84E7E5A-7D61-5648-87E3-1FDC0165F5DF}" type="datetimeFigureOut">
               <a:rPr lang="en-US" smtClean="0"/>
-              <a:t>6/4/22</a:t>
+              <a:t>6/6/22</a:t>
             </a:fld>
             <a:endParaRPr lang="en-US"/>
           </a:p>
@@ -2338,7 +2339,7 @@
           <a:p>
             <a:fld id="{A84E7E5A-7D61-5648-87E3-1FDC0165F5DF}" type="datetimeFigureOut">
               <a:rPr lang="en-US" smtClean="0"/>
-              <a:t>6/4/22</a:t>
+              <a:t>6/6/22</a:t>
             </a:fld>
             <a:endParaRPr lang="en-US"/>
           </a:p>
@@ -2750,7 +2751,7 @@
           <a:p>
             <a:fld id="{A84E7E5A-7D61-5648-87E3-1FDC0165F5DF}" type="datetimeFigureOut">
               <a:rPr lang="en-US" smtClean="0"/>
-              <a:t>6/4/22</a:t>
+              <a:t>6/6/22</a:t>
             </a:fld>
             <a:endParaRPr lang="en-US"/>
           </a:p>
@@ -2891,7 +2892,7 @@
           <a:p>
             <a:fld id="{A84E7E5A-7D61-5648-87E3-1FDC0165F5DF}" type="datetimeFigureOut">
               <a:rPr lang="en-US" smtClean="0"/>
-              <a:t>6/4/22</a:t>
+              <a:t>6/6/22</a:t>
             </a:fld>
             <a:endParaRPr lang="en-US"/>
           </a:p>
@@ -3004,7 +3005,7 @@
           <a:p>
             <a:fld id="{A84E7E5A-7D61-5648-87E3-1FDC0165F5DF}" type="datetimeFigureOut">
               <a:rPr lang="en-US" smtClean="0"/>
-              <a:t>6/4/22</a:t>
+              <a:t>6/6/22</a:t>
             </a:fld>
             <a:endParaRPr lang="en-US"/>
           </a:p>
@@ -3315,7 +3316,7 @@
           <a:p>
             <a:fld id="{A84E7E5A-7D61-5648-87E3-1FDC0165F5DF}" type="datetimeFigureOut">
               <a:rPr lang="en-US" smtClean="0"/>
-              <a:t>6/4/22</a:t>
+              <a:t>6/6/22</a:t>
             </a:fld>
             <a:endParaRPr lang="en-US"/>
           </a:p>
@@ -3603,7 +3604,7 @@
           <a:p>
             <a:fld id="{A84E7E5A-7D61-5648-87E3-1FDC0165F5DF}" type="datetimeFigureOut">
               <a:rPr lang="en-US" smtClean="0"/>
-              <a:t>6/4/22</a:t>
+              <a:t>6/6/22</a:t>
             </a:fld>
             <a:endParaRPr lang="en-US"/>
           </a:p>
@@ -3844,7 +3845,7 @@
           <a:p>
             <a:fld id="{A84E7E5A-7D61-5648-87E3-1FDC0165F5DF}" type="datetimeFigureOut">
               <a:rPr lang="en-US" smtClean="0"/>
-              <a:t>6/4/22</a:t>
+              <a:t>6/6/22</a:t>
             </a:fld>
             <a:endParaRPr lang="en-US"/>
           </a:p>
@@ -4435,6 +4436,345 @@
           <a:chExt cx="0" cy="0"/>
         </a:xfrm>
       </p:grpSpPr>
+      <p:sp>
+        <p:nvSpPr>
+          <p:cNvPr id="2" name="Title 1">
+            <a:extLst>
+              <a:ext uri="{FF2B5EF4-FFF2-40B4-BE49-F238E27FC236}">
+                <a16:creationId xmlns:a16="http://schemas.microsoft.com/office/drawing/2014/main" id="{6224C5FA-F2DD-3B85-052D-B73F972922D5}"/>
+              </a:ext>
+            </a:extLst>
+          </p:cNvPr>
+          <p:cNvSpPr>
+            <a:spLocks noGrp="1"/>
+          </p:cNvSpPr>
+          <p:nvPr>
+            <p:ph type="title"/>
+          </p:nvPr>
+        </p:nvSpPr>
+        <p:spPr/>
+        <p:txBody>
+          <a:bodyPr/>
+          <a:lstStyle/>
+          <a:p>
+            <a:r>
+              <a:rPr lang="en-US"/>
+              <a:t>xs</a:t>
+            </a:r>
+            <a:endParaRPr lang="en-US" dirty="0"/>
+          </a:p>
+        </p:txBody>
+      </p:sp>
+      <p:pic>
+        <p:nvPicPr>
+          <p:cNvPr id="5" name="Content Placeholder 4">
+            <a:extLst>
+              <a:ext uri="{FF2B5EF4-FFF2-40B4-BE49-F238E27FC236}">
+                <a16:creationId xmlns:a16="http://schemas.microsoft.com/office/drawing/2014/main" id="{5B9A4725-2C53-617C-98A8-D591912B4E44}"/>
+              </a:ext>
+            </a:extLst>
+          </p:cNvPr>
+          <p:cNvPicPr>
+            <a:picLocks noGrp="1" noChangeAspect="1"/>
+          </p:cNvPicPr>
+          <p:nvPr>
+            <p:ph idx="1"/>
+          </p:nvPr>
+        </p:nvPicPr>
+        <p:blipFill>
+          <a:blip r:embed="rId2"/>
+          <a:srcRect/>
+          <a:stretch/>
+        </p:blipFill>
+        <p:spPr>
+          <a:xfrm>
+            <a:off x="3378730" y="2471978"/>
+            <a:ext cx="4148666" cy="3111500"/>
+          </a:xfrm>
+          <a:ln>
+            <a:noFill/>
+            <a:prstDash val="sysDot"/>
+          </a:ln>
+        </p:spPr>
+      </p:pic>
+      <p:cxnSp>
+        <p:nvCxnSpPr>
+          <p:cNvPr id="8" name="Straight Arrow Connector 7">
+            <a:extLst>
+              <a:ext uri="{FF2B5EF4-FFF2-40B4-BE49-F238E27FC236}">
+                <a16:creationId xmlns:a16="http://schemas.microsoft.com/office/drawing/2014/main" id="{FF7B5C64-C794-7EB9-F777-64E0C55F210D}"/>
+              </a:ext>
+            </a:extLst>
+          </p:cNvPr>
+          <p:cNvCxnSpPr>
+            <a:cxnSpLocks/>
+          </p:cNvCxnSpPr>
+          <p:nvPr/>
+        </p:nvCxnSpPr>
+        <p:spPr>
+          <a:xfrm>
+            <a:off x="4255770" y="4091940"/>
+            <a:ext cx="0" cy="765810"/>
+          </a:xfrm>
+          <a:prstGeom prst="straightConnector1">
+            <a:avLst/>
+          </a:prstGeom>
+          <a:ln w="28575">
+            <a:solidFill>
+              <a:schemeClr val="tx1"/>
+            </a:solidFill>
+            <a:prstDash val="sysDot"/>
+            <a:headEnd type="triangle"/>
+            <a:tailEnd type="triangle"/>
+          </a:ln>
+        </p:spPr>
+        <p:style>
+          <a:lnRef idx="1">
+            <a:schemeClr val="accent1"/>
+          </a:lnRef>
+          <a:fillRef idx="0">
+            <a:schemeClr val="accent1"/>
+          </a:fillRef>
+          <a:effectRef idx="0">
+            <a:schemeClr val="accent1"/>
+          </a:effectRef>
+          <a:fontRef idx="minor">
+            <a:schemeClr val="tx1"/>
+          </a:fontRef>
+        </p:style>
+      </p:cxnSp>
+      <p:sp>
+        <p:nvSpPr>
+          <p:cNvPr id="13" name="TextBox 12">
+            <a:extLst>
+              <a:ext uri="{FF2B5EF4-FFF2-40B4-BE49-F238E27FC236}">
+                <a16:creationId xmlns:a16="http://schemas.microsoft.com/office/drawing/2014/main" id="{5E0520C2-1EEE-BF17-9F27-0EFEDE7CA5F2}"/>
+              </a:ext>
+            </a:extLst>
+          </p:cNvPr>
+          <p:cNvSpPr txBox="1"/>
+          <p:nvPr/>
+        </p:nvSpPr>
+        <p:spPr>
+          <a:xfrm>
+            <a:off x="1691640" y="4183380"/>
+            <a:ext cx="1443024" cy="369332"/>
+          </a:xfrm>
+          <a:prstGeom prst="rect">
+            <a:avLst/>
+          </a:prstGeom>
+          <a:noFill/>
+        </p:spPr>
+        <p:txBody>
+          <a:bodyPr wrap="none" rtlCol="0">
+            <a:spAutoFit/>
+          </a:bodyPr>
+          <a:lstStyle/>
+          <a:p>
+            <a:r>
+              <a:rPr lang="en-US" dirty="0"/>
+              <a:t>0.378/0.0164</a:t>
+            </a:r>
+          </a:p>
+        </p:txBody>
+      </p:sp>
+      <p:sp>
+        <p:nvSpPr>
+          <p:cNvPr id="15" name="TextBox 14">
+            <a:extLst>
+              <a:ext uri="{FF2B5EF4-FFF2-40B4-BE49-F238E27FC236}">
+                <a16:creationId xmlns:a16="http://schemas.microsoft.com/office/drawing/2014/main" id="{E7D3DE92-3492-0183-A0B0-3830773EB9F6}"/>
+              </a:ext>
+            </a:extLst>
+          </p:cNvPr>
+          <p:cNvSpPr txBox="1"/>
+          <p:nvPr/>
+        </p:nvSpPr>
+        <p:spPr>
+          <a:xfrm>
+            <a:off x="4217426" y="4197140"/>
+            <a:ext cx="819455" cy="261610"/>
+          </a:xfrm>
+          <a:prstGeom prst="rect">
+            <a:avLst/>
+          </a:prstGeom>
+          <a:noFill/>
+        </p:spPr>
+        <p:txBody>
+          <a:bodyPr wrap="none" rtlCol="0">
+            <a:spAutoFit/>
+          </a:bodyPr>
+          <a:lstStyle/>
+          <a:p>
+            <a:r>
+              <a:rPr lang="en-US" sz="1050" b="1" dirty="0">
+                <a:effectLst>
+                  <a:glow rad="479300">
+                    <a:srgbClr val="FFFFFF">
+                      <a:alpha val="60000"/>
+                    </a:srgbClr>
+                  </a:glow>
+                </a:effectLst>
+              </a:rPr>
+              <a:t>~23x lower</a:t>
+            </a:r>
+          </a:p>
+        </p:txBody>
+      </p:sp>
+      <p:cxnSp>
+        <p:nvCxnSpPr>
+          <p:cNvPr id="16" name="Straight Arrow Connector 15">
+            <a:extLst>
+              <a:ext uri="{FF2B5EF4-FFF2-40B4-BE49-F238E27FC236}">
+                <a16:creationId xmlns:a16="http://schemas.microsoft.com/office/drawing/2014/main" id="{88688071-B9EA-F33A-8688-16518096A246}"/>
+              </a:ext>
+            </a:extLst>
+          </p:cNvPr>
+          <p:cNvCxnSpPr>
+            <a:cxnSpLocks/>
+          </p:cNvCxnSpPr>
+          <p:nvPr/>
+        </p:nvCxnSpPr>
+        <p:spPr>
+          <a:xfrm>
+            <a:off x="7185161" y="3414712"/>
+            <a:ext cx="0" cy="1257300"/>
+          </a:xfrm>
+          <a:prstGeom prst="straightConnector1">
+            <a:avLst/>
+          </a:prstGeom>
+          <a:ln w="28575">
+            <a:solidFill>
+              <a:schemeClr val="tx1"/>
+            </a:solidFill>
+            <a:prstDash val="sysDot"/>
+            <a:headEnd type="triangle"/>
+            <a:tailEnd type="triangle"/>
+          </a:ln>
+        </p:spPr>
+        <p:style>
+          <a:lnRef idx="1">
+            <a:schemeClr val="accent1"/>
+          </a:lnRef>
+          <a:fillRef idx="0">
+            <a:schemeClr val="accent1"/>
+          </a:fillRef>
+          <a:effectRef idx="0">
+            <a:schemeClr val="accent1"/>
+          </a:effectRef>
+          <a:fontRef idx="minor">
+            <a:schemeClr val="tx1"/>
+          </a:fontRef>
+        </p:style>
+      </p:cxnSp>
+      <p:sp>
+        <p:nvSpPr>
+          <p:cNvPr id="17" name="TextBox 16">
+            <a:extLst>
+              <a:ext uri="{FF2B5EF4-FFF2-40B4-BE49-F238E27FC236}">
+                <a16:creationId xmlns:a16="http://schemas.microsoft.com/office/drawing/2014/main" id="{FF0538AD-678D-FB57-8AAB-0AA53B655B89}"/>
+              </a:ext>
+            </a:extLst>
+          </p:cNvPr>
+          <p:cNvSpPr txBox="1"/>
+          <p:nvPr/>
+        </p:nvSpPr>
+        <p:spPr>
+          <a:xfrm>
+            <a:off x="6365374" y="3964982"/>
+            <a:ext cx="886765" cy="253916"/>
+          </a:xfrm>
+          <a:prstGeom prst="rect">
+            <a:avLst/>
+          </a:prstGeom>
+          <a:noFill/>
+        </p:spPr>
+        <p:txBody>
+          <a:bodyPr wrap="square" rtlCol="0">
+            <a:spAutoFit/>
+          </a:bodyPr>
+          <a:lstStyle/>
+          <a:p>
+            <a:r>
+              <a:rPr lang="en-US" sz="1050" b="1" dirty="0">
+                <a:effectLst>
+                  <a:glow rad="479300">
+                    <a:srgbClr val="FFFFFF">
+                      <a:alpha val="60000"/>
+                    </a:srgbClr>
+                  </a:glow>
+                </a:effectLst>
+              </a:rPr>
+              <a:t>~8.1x lower</a:t>
+            </a:r>
+          </a:p>
+        </p:txBody>
+      </p:sp>
+      <p:sp>
+        <p:nvSpPr>
+          <p:cNvPr id="19" name="TextBox 18">
+            <a:extLst>
+              <a:ext uri="{FF2B5EF4-FFF2-40B4-BE49-F238E27FC236}">
+                <a16:creationId xmlns:a16="http://schemas.microsoft.com/office/drawing/2014/main" id="{110639CA-165C-BEB9-B2DD-F696C773E3FA}"/>
+              </a:ext>
+            </a:extLst>
+          </p:cNvPr>
+          <p:cNvSpPr txBox="1"/>
+          <p:nvPr/>
+        </p:nvSpPr>
+        <p:spPr>
+          <a:xfrm>
+            <a:off x="1553029" y="5544457"/>
+            <a:ext cx="1443024" cy="369332"/>
+          </a:xfrm>
+          <a:prstGeom prst="rect">
+            <a:avLst/>
+          </a:prstGeom>
+          <a:noFill/>
+        </p:spPr>
+        <p:txBody>
+          <a:bodyPr wrap="none" rtlCol="0">
+            <a:spAutoFit/>
+          </a:bodyPr>
+          <a:lstStyle/>
+          <a:p>
+            <a:r>
+              <a:rPr lang="en-US" dirty="0"/>
+              <a:t>0.73/0.08960</a:t>
+            </a:r>
+          </a:p>
+        </p:txBody>
+      </p:sp>
+    </p:spTree>
+    <p:extLst>
+      <p:ext uri="{BB962C8B-B14F-4D97-AF65-F5344CB8AC3E}">
+        <p14:creationId xmlns:p14="http://schemas.microsoft.com/office/powerpoint/2010/main" val="2919894308"/>
+      </p:ext>
+    </p:extLst>
+  </p:cSld>
+  <p:clrMapOvr>
+    <a:masterClrMapping/>
+  </p:clrMapOvr>
+</p:sld>
+</file>
+
+<file path=ppt/slides/slide3.xml><?xml version="1.0" encoding="utf-8"?>
+<p:sld xmlns:a="http://schemas.openxmlformats.org/drawingml/2006/main" xmlns:r="http://schemas.openxmlformats.org/officeDocument/2006/relationships" xmlns:p="http://schemas.openxmlformats.org/presentationml/2006/main">
+  <p:cSld>
+    <p:spTree>
+      <p:nvGrpSpPr>
+        <p:cNvPr id="1" name=""/>
+        <p:cNvGrpSpPr/>
+        <p:nvPr/>
+      </p:nvGrpSpPr>
+      <p:grpSpPr>
+        <a:xfrm>
+          <a:off x="0" y="0"/>
+          <a:ext cx="0" cy="0"/>
+          <a:chOff x="0" y="0"/>
+          <a:chExt cx="0" cy="0"/>
+        </a:xfrm>
+      </p:grpSpPr>
       <p:graphicFrame>
         <p:nvGraphicFramePr>
           <p:cNvPr id="5" name="Chart 4">

--- a/figures/Figures.pptx
+++ b/figures/Figures.pptx
@@ -4,10 +4,14 @@
   <p:sldMasterIdLst>
     <p:sldMasterId id="2147483648" r:id="rId1"/>
   </p:sldMasterIdLst>
+  <p:notesMasterIdLst>
+    <p:notesMasterId r:id="rId6"/>
+  </p:notesMasterIdLst>
   <p:sldIdLst>
     <p:sldId id="256" r:id="rId2"/>
     <p:sldId id="258" r:id="rId3"/>
-    <p:sldId id="257" r:id="rId4"/>
+    <p:sldId id="259" r:id="rId4"/>
+    <p:sldId id="257" r:id="rId5"/>
   </p:sldIdLst>
   <p:sldSz cx="12192000" cy="6858000"/>
   <p:notesSz cx="6858000" cy="9144000"/>
@@ -109,12 +113,12 @@
   <p:extLst>
     <p:ext uri="{EFAFB233-063F-42B5-8137-9DF3F51BA10A}">
       <p15:sldGuideLst xmlns:p15="http://schemas.microsoft.com/office/powerpoint/2012/main">
-        <p15:guide id="1" orient="horz" pos="2160" userDrawn="1">
+        <p15:guide id="1" orient="horz" pos="2184" userDrawn="1">
           <p15:clr>
             <a:srgbClr val="A4A3A4"/>
           </p15:clr>
         </p15:guide>
-        <p15:guide id="2" pos="3840" userDrawn="1">
+        <p15:guide id="2" pos="3528" userDrawn="1">
           <p15:clr>
             <a:srgbClr val="A4A3A4"/>
           </p15:clr>
@@ -1048,6 +1052,439 @@
 </cs:chartStyle>
 </file>
 
+<file path=ppt/notesMasters/notesMaster1.xml><?xml version="1.0" encoding="utf-8"?>
+<p:notesMaster xmlns:a="http://schemas.openxmlformats.org/drawingml/2006/main" xmlns:r="http://schemas.openxmlformats.org/officeDocument/2006/relationships" xmlns:p="http://schemas.openxmlformats.org/presentationml/2006/main">
+  <p:cSld>
+    <p:bg>
+      <p:bgRef idx="1001">
+        <a:schemeClr val="bg1"/>
+      </p:bgRef>
+    </p:bg>
+    <p:spTree>
+      <p:nvGrpSpPr>
+        <p:cNvPr id="1" name=""/>
+        <p:cNvGrpSpPr/>
+        <p:nvPr/>
+      </p:nvGrpSpPr>
+      <p:grpSpPr>
+        <a:xfrm>
+          <a:off x="0" y="0"/>
+          <a:ext cx="0" cy="0"/>
+          <a:chOff x="0" y="0"/>
+          <a:chExt cx="0" cy="0"/>
+        </a:xfrm>
+      </p:grpSpPr>
+      <p:sp>
+        <p:nvSpPr>
+          <p:cNvPr id="2" name="Header Placeholder 1"/>
+          <p:cNvSpPr>
+            <a:spLocks noGrp="1"/>
+          </p:cNvSpPr>
+          <p:nvPr>
+            <p:ph type="hdr" sz="quarter"/>
+          </p:nvPr>
+        </p:nvSpPr>
+        <p:spPr>
+          <a:xfrm>
+            <a:off x="0" y="0"/>
+            <a:ext cx="2971800" cy="458788"/>
+          </a:xfrm>
+          <a:prstGeom prst="rect">
+            <a:avLst/>
+          </a:prstGeom>
+        </p:spPr>
+        <p:txBody>
+          <a:bodyPr vert="horz" lIns="91440" tIns="45720" rIns="91440" bIns="45720" rtlCol="0"/>
+          <a:lstStyle>
+            <a:lvl1pPr algn="l">
+              <a:defRPr sz="1200"/>
+            </a:lvl1pPr>
+          </a:lstStyle>
+          <a:p>
+            <a:endParaRPr lang="en-US"/>
+          </a:p>
+        </p:txBody>
+      </p:sp>
+      <p:sp>
+        <p:nvSpPr>
+          <p:cNvPr id="3" name="Date Placeholder 2"/>
+          <p:cNvSpPr>
+            <a:spLocks noGrp="1"/>
+          </p:cNvSpPr>
+          <p:nvPr>
+            <p:ph type="dt" idx="1"/>
+          </p:nvPr>
+        </p:nvSpPr>
+        <p:spPr>
+          <a:xfrm>
+            <a:off x="3884613" y="0"/>
+            <a:ext cx="2971800" cy="458788"/>
+          </a:xfrm>
+          <a:prstGeom prst="rect">
+            <a:avLst/>
+          </a:prstGeom>
+        </p:spPr>
+        <p:txBody>
+          <a:bodyPr vert="horz" lIns="91440" tIns="45720" rIns="91440" bIns="45720" rtlCol="0"/>
+          <a:lstStyle>
+            <a:lvl1pPr algn="r">
+              <a:defRPr sz="1200"/>
+            </a:lvl1pPr>
+          </a:lstStyle>
+          <a:p>
+            <a:fld id="{3CCE1754-A672-D343-997A-B62ADFEAB4ED}" type="datetimeFigureOut">
+              <a:rPr lang="en-US" smtClean="0"/>
+              <a:t>6/7/22</a:t>
+            </a:fld>
+            <a:endParaRPr lang="en-US"/>
+          </a:p>
+        </p:txBody>
+      </p:sp>
+      <p:sp>
+        <p:nvSpPr>
+          <p:cNvPr id="4" name="Slide Image Placeholder 3"/>
+          <p:cNvSpPr>
+            <a:spLocks noGrp="1" noRot="1" noChangeAspect="1"/>
+          </p:cNvSpPr>
+          <p:nvPr>
+            <p:ph type="sldImg" idx="2"/>
+          </p:nvPr>
+        </p:nvSpPr>
+        <p:spPr>
+          <a:xfrm>
+            <a:off x="685800" y="1143000"/>
+            <a:ext cx="5486400" cy="3086100"/>
+          </a:xfrm>
+          <a:prstGeom prst="rect">
+            <a:avLst/>
+          </a:prstGeom>
+          <a:noFill/>
+          <a:ln w="12700">
+            <a:solidFill>
+              <a:prstClr val="black"/>
+            </a:solidFill>
+          </a:ln>
+        </p:spPr>
+        <p:txBody>
+          <a:bodyPr vert="horz" lIns="91440" tIns="45720" rIns="91440" bIns="45720" rtlCol="0" anchor="ctr"/>
+          <a:lstStyle/>
+          <a:p>
+            <a:endParaRPr lang="en-US"/>
+          </a:p>
+        </p:txBody>
+      </p:sp>
+      <p:sp>
+        <p:nvSpPr>
+          <p:cNvPr id="5" name="Notes Placeholder 4"/>
+          <p:cNvSpPr>
+            <a:spLocks noGrp="1"/>
+          </p:cNvSpPr>
+          <p:nvPr>
+            <p:ph type="body" sz="quarter" idx="3"/>
+          </p:nvPr>
+        </p:nvSpPr>
+        <p:spPr>
+          <a:xfrm>
+            <a:off x="685800" y="4400550"/>
+            <a:ext cx="5486400" cy="3600450"/>
+          </a:xfrm>
+          <a:prstGeom prst="rect">
+            <a:avLst/>
+          </a:prstGeom>
+        </p:spPr>
+        <p:txBody>
+          <a:bodyPr vert="horz" lIns="91440" tIns="45720" rIns="91440" bIns="45720" rtlCol="0"/>
+          <a:lstStyle/>
+          <a:p>
+            <a:pPr lvl="0"/>
+            <a:r>
+              <a:rPr lang="en-US"/>
+              <a:t>Click to edit Master text styles</a:t>
+            </a:r>
+          </a:p>
+          <a:p>
+            <a:pPr lvl="1"/>
+            <a:r>
+              <a:rPr lang="en-US"/>
+              <a:t>Second level</a:t>
+            </a:r>
+          </a:p>
+          <a:p>
+            <a:pPr lvl="2"/>
+            <a:r>
+              <a:rPr lang="en-US"/>
+              <a:t>Third level</a:t>
+            </a:r>
+          </a:p>
+          <a:p>
+            <a:pPr lvl="3"/>
+            <a:r>
+              <a:rPr lang="en-US"/>
+              <a:t>Fourth level</a:t>
+            </a:r>
+          </a:p>
+          <a:p>
+            <a:pPr lvl="4"/>
+            <a:r>
+              <a:rPr lang="en-US"/>
+              <a:t>Fifth level</a:t>
+            </a:r>
+          </a:p>
+        </p:txBody>
+      </p:sp>
+      <p:sp>
+        <p:nvSpPr>
+          <p:cNvPr id="6" name="Footer Placeholder 5"/>
+          <p:cNvSpPr>
+            <a:spLocks noGrp="1"/>
+          </p:cNvSpPr>
+          <p:nvPr>
+            <p:ph type="ftr" sz="quarter" idx="4"/>
+          </p:nvPr>
+        </p:nvSpPr>
+        <p:spPr>
+          <a:xfrm>
+            <a:off x="0" y="8685213"/>
+            <a:ext cx="2971800" cy="458787"/>
+          </a:xfrm>
+          <a:prstGeom prst="rect">
+            <a:avLst/>
+          </a:prstGeom>
+        </p:spPr>
+        <p:txBody>
+          <a:bodyPr vert="horz" lIns="91440" tIns="45720" rIns="91440" bIns="45720" rtlCol="0" anchor="b"/>
+          <a:lstStyle>
+            <a:lvl1pPr algn="l">
+              <a:defRPr sz="1200"/>
+            </a:lvl1pPr>
+          </a:lstStyle>
+          <a:p>
+            <a:endParaRPr lang="en-US"/>
+          </a:p>
+        </p:txBody>
+      </p:sp>
+      <p:sp>
+        <p:nvSpPr>
+          <p:cNvPr id="7" name="Slide Number Placeholder 6"/>
+          <p:cNvSpPr>
+            <a:spLocks noGrp="1"/>
+          </p:cNvSpPr>
+          <p:nvPr>
+            <p:ph type="sldNum" sz="quarter" idx="5"/>
+          </p:nvPr>
+        </p:nvSpPr>
+        <p:spPr>
+          <a:xfrm>
+            <a:off x="3884613" y="8685213"/>
+            <a:ext cx="2971800" cy="458787"/>
+          </a:xfrm>
+          <a:prstGeom prst="rect">
+            <a:avLst/>
+          </a:prstGeom>
+        </p:spPr>
+        <p:txBody>
+          <a:bodyPr vert="horz" lIns="91440" tIns="45720" rIns="91440" bIns="45720" rtlCol="0" anchor="b"/>
+          <a:lstStyle>
+            <a:lvl1pPr algn="r">
+              <a:defRPr sz="1200"/>
+            </a:lvl1pPr>
+          </a:lstStyle>
+          <a:p>
+            <a:fld id="{0B100024-013B-D74C-A644-24E4FE913701}" type="slidenum">
+              <a:rPr lang="en-US" smtClean="0"/>
+              <a:t>‹#›</a:t>
+            </a:fld>
+            <a:endParaRPr lang="en-US"/>
+          </a:p>
+        </p:txBody>
+      </p:sp>
+    </p:spTree>
+    <p:extLst>
+      <p:ext uri="{BB962C8B-B14F-4D97-AF65-F5344CB8AC3E}">
+        <p14:creationId xmlns:p14="http://schemas.microsoft.com/office/powerpoint/2010/main" val="3208950096"/>
+      </p:ext>
+    </p:extLst>
+  </p:cSld>
+  <p:clrMap bg1="lt1" tx1="dk1" bg2="lt2" tx2="dk2" accent1="accent1" accent2="accent2" accent3="accent3" accent4="accent4" accent5="accent5" accent6="accent6" hlink="hlink" folHlink="folHlink"/>
+  <p:notesStyle>
+    <a:lvl1pPr marL="0" algn="l" defTabSz="914400" rtl="0" eaLnBrk="1" latinLnBrk="0" hangingPunct="1">
+      <a:defRPr sz="1200" kern="1200">
+        <a:solidFill>
+          <a:schemeClr val="tx1"/>
+        </a:solidFill>
+        <a:latin typeface="+mn-lt"/>
+        <a:ea typeface="+mn-ea"/>
+        <a:cs typeface="+mn-cs"/>
+      </a:defRPr>
+    </a:lvl1pPr>
+    <a:lvl2pPr marL="457200" algn="l" defTabSz="914400" rtl="0" eaLnBrk="1" latinLnBrk="0" hangingPunct="1">
+      <a:defRPr sz="1200" kern="1200">
+        <a:solidFill>
+          <a:schemeClr val="tx1"/>
+        </a:solidFill>
+        <a:latin typeface="+mn-lt"/>
+        <a:ea typeface="+mn-ea"/>
+        <a:cs typeface="+mn-cs"/>
+      </a:defRPr>
+    </a:lvl2pPr>
+    <a:lvl3pPr marL="914400" algn="l" defTabSz="914400" rtl="0" eaLnBrk="1" latinLnBrk="0" hangingPunct="1">
+      <a:defRPr sz="1200" kern="1200">
+        <a:solidFill>
+          <a:schemeClr val="tx1"/>
+        </a:solidFill>
+        <a:latin typeface="+mn-lt"/>
+        <a:ea typeface="+mn-ea"/>
+        <a:cs typeface="+mn-cs"/>
+      </a:defRPr>
+    </a:lvl3pPr>
+    <a:lvl4pPr marL="1371600" algn="l" defTabSz="914400" rtl="0" eaLnBrk="1" latinLnBrk="0" hangingPunct="1">
+      <a:defRPr sz="1200" kern="1200">
+        <a:solidFill>
+          <a:schemeClr val="tx1"/>
+        </a:solidFill>
+        <a:latin typeface="+mn-lt"/>
+        <a:ea typeface="+mn-ea"/>
+        <a:cs typeface="+mn-cs"/>
+      </a:defRPr>
+    </a:lvl4pPr>
+    <a:lvl5pPr marL="1828800" algn="l" defTabSz="914400" rtl="0" eaLnBrk="1" latinLnBrk="0" hangingPunct="1">
+      <a:defRPr sz="1200" kern="1200">
+        <a:solidFill>
+          <a:schemeClr val="tx1"/>
+        </a:solidFill>
+        <a:latin typeface="+mn-lt"/>
+        <a:ea typeface="+mn-ea"/>
+        <a:cs typeface="+mn-cs"/>
+      </a:defRPr>
+    </a:lvl5pPr>
+    <a:lvl6pPr marL="2286000" algn="l" defTabSz="914400" rtl="0" eaLnBrk="1" latinLnBrk="0" hangingPunct="1">
+      <a:defRPr sz="1200" kern="1200">
+        <a:solidFill>
+          <a:schemeClr val="tx1"/>
+        </a:solidFill>
+        <a:latin typeface="+mn-lt"/>
+        <a:ea typeface="+mn-ea"/>
+        <a:cs typeface="+mn-cs"/>
+      </a:defRPr>
+    </a:lvl6pPr>
+    <a:lvl7pPr marL="2743200" algn="l" defTabSz="914400" rtl="0" eaLnBrk="1" latinLnBrk="0" hangingPunct="1">
+      <a:defRPr sz="1200" kern="1200">
+        <a:solidFill>
+          <a:schemeClr val="tx1"/>
+        </a:solidFill>
+        <a:latin typeface="+mn-lt"/>
+        <a:ea typeface="+mn-ea"/>
+        <a:cs typeface="+mn-cs"/>
+      </a:defRPr>
+    </a:lvl7pPr>
+    <a:lvl8pPr marL="3200400" algn="l" defTabSz="914400" rtl="0" eaLnBrk="1" latinLnBrk="0" hangingPunct="1">
+      <a:defRPr sz="1200" kern="1200">
+        <a:solidFill>
+          <a:schemeClr val="tx1"/>
+        </a:solidFill>
+        <a:latin typeface="+mn-lt"/>
+        <a:ea typeface="+mn-ea"/>
+        <a:cs typeface="+mn-cs"/>
+      </a:defRPr>
+    </a:lvl8pPr>
+    <a:lvl9pPr marL="3657600" algn="l" defTabSz="914400" rtl="0" eaLnBrk="1" latinLnBrk="0" hangingPunct="1">
+      <a:defRPr sz="1200" kern="1200">
+        <a:solidFill>
+          <a:schemeClr val="tx1"/>
+        </a:solidFill>
+        <a:latin typeface="+mn-lt"/>
+        <a:ea typeface="+mn-ea"/>
+        <a:cs typeface="+mn-cs"/>
+      </a:defRPr>
+    </a:lvl9pPr>
+  </p:notesStyle>
+</p:notesMaster>
+</file>
+
+<file path=ppt/notesSlides/notesSlide1.xml><?xml version="1.0" encoding="utf-8"?>
+<p:notes xmlns:a="http://schemas.openxmlformats.org/drawingml/2006/main" xmlns:r="http://schemas.openxmlformats.org/officeDocument/2006/relationships" xmlns:p="http://schemas.openxmlformats.org/presentationml/2006/main">
+  <p:cSld>
+    <p:spTree>
+      <p:nvGrpSpPr>
+        <p:cNvPr id="1" name=""/>
+        <p:cNvGrpSpPr/>
+        <p:nvPr/>
+      </p:nvGrpSpPr>
+      <p:grpSpPr>
+        <a:xfrm>
+          <a:off x="0" y="0"/>
+          <a:ext cx="0" cy="0"/>
+          <a:chOff x="0" y="0"/>
+          <a:chExt cx="0" cy="0"/>
+        </a:xfrm>
+      </p:grpSpPr>
+      <p:sp>
+        <p:nvSpPr>
+          <p:cNvPr id="2" name="Slide Image Placeholder 1"/>
+          <p:cNvSpPr>
+            <a:spLocks noGrp="1" noRot="1" noChangeAspect="1"/>
+          </p:cNvSpPr>
+          <p:nvPr>
+            <p:ph type="sldImg"/>
+          </p:nvPr>
+        </p:nvSpPr>
+        <p:spPr/>
+      </p:sp>
+      <p:sp>
+        <p:nvSpPr>
+          <p:cNvPr id="3" name="Notes Placeholder 2"/>
+          <p:cNvSpPr>
+            <a:spLocks noGrp="1"/>
+          </p:cNvSpPr>
+          <p:nvPr>
+            <p:ph type="body" idx="1"/>
+          </p:nvPr>
+        </p:nvSpPr>
+        <p:spPr/>
+        <p:txBody>
+          <a:bodyPr/>
+          <a:lstStyle/>
+          <a:p>
+            <a:endParaRPr lang="en-US" dirty="0"/>
+          </a:p>
+        </p:txBody>
+      </p:sp>
+      <p:sp>
+        <p:nvSpPr>
+          <p:cNvPr id="4" name="Slide Number Placeholder 3"/>
+          <p:cNvSpPr>
+            <a:spLocks noGrp="1"/>
+          </p:cNvSpPr>
+          <p:nvPr>
+            <p:ph type="sldNum" sz="quarter" idx="5"/>
+          </p:nvPr>
+        </p:nvSpPr>
+        <p:spPr/>
+        <p:txBody>
+          <a:bodyPr/>
+          <a:lstStyle/>
+          <a:p>
+            <a:fld id="{0B100024-013B-D74C-A644-24E4FE913701}" type="slidenum">
+              <a:rPr lang="en-US" smtClean="0"/>
+              <a:t>2</a:t>
+            </a:fld>
+            <a:endParaRPr lang="en-US"/>
+          </a:p>
+        </p:txBody>
+      </p:sp>
+    </p:spTree>
+    <p:extLst>
+      <p:ext uri="{BB962C8B-B14F-4D97-AF65-F5344CB8AC3E}">
+        <p14:creationId xmlns:p14="http://schemas.microsoft.com/office/powerpoint/2010/main" val="1370873764"/>
+      </p:ext>
+    </p:extLst>
+  </p:cSld>
+  <p:clrMapOvr>
+    <a:masterClrMapping/>
+  </p:clrMapOvr>
+</p:notes>
+</file>
+
 <file path=ppt/slideLayouts/slideLayout1.xml><?xml version="1.0" encoding="utf-8"?>
 <p:sldLayout xmlns:a="http://schemas.openxmlformats.org/drawingml/2006/main" xmlns:r="http://schemas.openxmlformats.org/officeDocument/2006/relationships" xmlns:p="http://schemas.openxmlformats.org/presentationml/2006/main" type="title" preserve="1">
   <p:cSld name="Title Slide">
@@ -4458,7 +4895,7 @@
           <a:lstStyle/>
           <a:p>
             <a:r>
-              <a:rPr lang="en-US"/>
+              <a:rPr lang="en-US" dirty="0" err="1"/>
               <a:t>xs</a:t>
             </a:r>
             <a:endParaRPr lang="en-US" dirty="0"/>
@@ -4482,7 +4919,7 @@
           </p:nvPr>
         </p:nvPicPr>
         <p:blipFill>
-          <a:blip r:embed="rId2"/>
+          <a:blip r:embed="rId3"/>
           <a:srcRect/>
           <a:stretch/>
         </p:blipFill>
@@ -4497,24 +4934,57 @@
           </a:ln>
         </p:spPr>
       </p:pic>
+      <p:sp>
+        <p:nvSpPr>
+          <p:cNvPr id="25" name="TextBox 24">
+            <a:extLst>
+              <a:ext uri="{FF2B5EF4-FFF2-40B4-BE49-F238E27FC236}">
+                <a16:creationId xmlns:a16="http://schemas.microsoft.com/office/drawing/2014/main" id="{F43CA217-C9BA-D8A0-8CBF-F72788DE70F8}"/>
+              </a:ext>
+            </a:extLst>
+          </p:cNvPr>
+          <p:cNvSpPr txBox="1"/>
+          <p:nvPr/>
+        </p:nvSpPr>
+        <p:spPr>
+          <a:xfrm>
+            <a:off x="1757363" y="4200525"/>
+            <a:ext cx="1560042" cy="369332"/>
+          </a:xfrm>
+          <a:prstGeom prst="rect">
+            <a:avLst/>
+          </a:prstGeom>
+          <a:noFill/>
+        </p:spPr>
+        <p:txBody>
+          <a:bodyPr wrap="none" rtlCol="0">
+            <a:spAutoFit/>
+          </a:bodyPr>
+          <a:lstStyle/>
+          <a:p>
+            <a:r>
+              <a:rPr lang="en-US" dirty="0"/>
+              <a:t>0.27408/0.378</a:t>
+            </a:r>
+          </a:p>
+        </p:txBody>
+      </p:sp>
       <p:cxnSp>
         <p:nvCxnSpPr>
-          <p:cNvPr id="8" name="Straight Arrow Connector 7">
-            <a:extLst>
-              <a:ext uri="{FF2B5EF4-FFF2-40B4-BE49-F238E27FC236}">
-                <a16:creationId xmlns:a16="http://schemas.microsoft.com/office/drawing/2014/main" id="{FF7B5C64-C794-7EB9-F777-64E0C55F210D}"/>
-              </a:ext>
-            </a:extLst>
-          </p:cNvPr>
-          <p:cNvCxnSpPr>
-            <a:cxnSpLocks/>
-          </p:cNvCxnSpPr>
+          <p:cNvPr id="27" name="Straight Arrow Connector 26">
+            <a:extLst>
+              <a:ext uri="{FF2B5EF4-FFF2-40B4-BE49-F238E27FC236}">
+                <a16:creationId xmlns:a16="http://schemas.microsoft.com/office/drawing/2014/main" id="{B62E6CC4-DCB6-D635-FED8-AF49B4145643}"/>
+              </a:ext>
+            </a:extLst>
+          </p:cNvPr>
+          <p:cNvCxnSpPr/>
           <p:nvPr/>
         </p:nvCxnSpPr>
         <p:spPr>
           <a:xfrm>
-            <a:off x="4255770" y="4091940"/>
-            <a:ext cx="0" cy="765810"/>
+            <a:off x="4329113" y="3941329"/>
+            <a:ext cx="0" cy="172797"/>
           </a:xfrm>
           <a:prstGeom prst="straightConnector1">
             <a:avLst/>
@@ -4523,8 +4993,6 @@
             <a:solidFill>
               <a:schemeClr val="tx1"/>
             </a:solidFill>
-            <a:prstDash val="sysDot"/>
-            <a:headEnd type="triangle"/>
             <a:tailEnd type="triangle"/>
           </a:ln>
         </p:spPr>
@@ -4545,10 +5013,10 @@
       </p:cxnSp>
       <p:sp>
         <p:nvSpPr>
-          <p:cNvPr id="13" name="TextBox 12">
-            <a:extLst>
-              <a:ext uri="{FF2B5EF4-FFF2-40B4-BE49-F238E27FC236}">
-                <a16:creationId xmlns:a16="http://schemas.microsoft.com/office/drawing/2014/main" id="{5E0520C2-1EEE-BF17-9F27-0EFEDE7CA5F2}"/>
+          <p:cNvPr id="28" name="TextBox 27">
+            <a:extLst>
+              <a:ext uri="{FF2B5EF4-FFF2-40B4-BE49-F238E27FC236}">
+                <a16:creationId xmlns:a16="http://schemas.microsoft.com/office/drawing/2014/main" id="{ADE75E15-433D-DD3F-5061-727C2FD44BDD}"/>
               </a:ext>
             </a:extLst>
           </p:cNvPr>
@@ -4557,8 +5025,8 @@
         </p:nvSpPr>
         <p:spPr>
           <a:xfrm>
-            <a:off x="1691640" y="4183380"/>
-            <a:ext cx="1443024" cy="369332"/>
+            <a:off x="4300537" y="3882634"/>
+            <a:ext cx="585417" cy="261610"/>
           </a:xfrm>
           <a:prstGeom prst="rect">
             <a:avLst/>
@@ -4572,18 +5040,18 @@
           <a:lstStyle/>
           <a:p>
             <a:r>
-              <a:rPr lang="en-US" dirty="0"/>
-              <a:t>0.378/0.0164</a:t>
-            </a:r>
-          </a:p>
-        </p:txBody>
-      </p:sp>
-      <p:sp>
-        <p:nvSpPr>
-          <p:cNvPr id="15" name="TextBox 14">
-            <a:extLst>
-              <a:ext uri="{FF2B5EF4-FFF2-40B4-BE49-F238E27FC236}">
-                <a16:creationId xmlns:a16="http://schemas.microsoft.com/office/drawing/2014/main" id="{E7D3DE92-3492-0183-A0B0-3830773EB9F6}"/>
+              <a:rPr lang="en-US" sz="1100" b="1" dirty="0"/>
+              <a:t>-27.5%</a:t>
+            </a:r>
+          </a:p>
+        </p:txBody>
+      </p:sp>
+      <p:sp>
+        <p:nvSpPr>
+          <p:cNvPr id="32" name="TextBox 31">
+            <a:extLst>
+              <a:ext uri="{FF2B5EF4-FFF2-40B4-BE49-F238E27FC236}">
+                <a16:creationId xmlns:a16="http://schemas.microsoft.com/office/drawing/2014/main" id="{F9D93DE2-0F5B-046D-749A-ED47C8DAC068}"/>
               </a:ext>
             </a:extLst>
           </p:cNvPr>
@@ -4592,8 +5060,8 @@
         </p:nvSpPr>
         <p:spPr>
           <a:xfrm>
-            <a:off x="4217426" y="4197140"/>
-            <a:ext cx="819455" cy="261610"/>
+            <a:off x="2270760" y="5349240"/>
+            <a:ext cx="1677062" cy="369332"/>
           </a:xfrm>
           <a:prstGeom prst="rect">
             <a:avLst/>
@@ -4607,26 +5075,66 @@
           <a:lstStyle/>
           <a:p>
             <a:r>
-              <a:rPr lang="en-US" sz="1050" b="1" dirty="0">
+              <a:rPr lang="en-US" dirty="0"/>
+              <a:t>0.12112/0.1510</a:t>
+            </a:r>
+          </a:p>
+        </p:txBody>
+      </p:sp>
+      <p:sp>
+        <p:nvSpPr>
+          <p:cNvPr id="35" name="TextBox 34">
+            <a:extLst>
+              <a:ext uri="{FF2B5EF4-FFF2-40B4-BE49-F238E27FC236}">
+                <a16:creationId xmlns:a16="http://schemas.microsoft.com/office/drawing/2014/main" id="{A42B35E7-38B8-3554-4577-EF01CC9B6464}"/>
+              </a:ext>
+            </a:extLst>
+          </p:cNvPr>
+          <p:cNvSpPr txBox="1"/>
+          <p:nvPr/>
+        </p:nvSpPr>
+        <p:spPr>
+          <a:xfrm>
+            <a:off x="4311016" y="4347244"/>
+            <a:ext cx="585417" cy="261610"/>
+          </a:xfrm>
+          <a:prstGeom prst="rect">
+            <a:avLst/>
+          </a:prstGeom>
+          <a:noFill/>
+          <a:effectLst>
+            <a:glow rad="228600">
+              <a:srgbClr val="FFFFFF"/>
+            </a:glow>
+          </a:effectLst>
+        </p:spPr>
+        <p:txBody>
+          <a:bodyPr wrap="square" rtlCol="0">
+            <a:spAutoFit/>
+          </a:bodyPr>
+          <a:lstStyle/>
+          <a:p>
+            <a:r>
+              <a:rPr lang="en-US" sz="1100" b="1" dirty="0">
                 <a:effectLst>
-                  <a:glow rad="479300">
-                    <a:srgbClr val="FFFFFF">
-                      <a:alpha val="60000"/>
+                  <a:glow rad="755625">
+                    <a:srgbClr val="FDFAFF">
+                      <a:alpha val="80531"/>
                     </a:srgbClr>
                   </a:glow>
                 </a:effectLst>
               </a:rPr>
-              <a:t>~23x lower</a:t>
+              <a:t>-19.8%</a:t>
             </a:r>
           </a:p>
         </p:txBody>
       </p:sp>
       <p:cxnSp>
         <p:nvCxnSpPr>
-          <p:cNvPr id="16" name="Straight Arrow Connector 15">
-            <a:extLst>
-              <a:ext uri="{FF2B5EF4-FFF2-40B4-BE49-F238E27FC236}">
-                <a16:creationId xmlns:a16="http://schemas.microsoft.com/office/drawing/2014/main" id="{88688071-B9EA-F33A-8688-16518096A246}"/>
+          <p:cNvPr id="29" name="Straight Arrow Connector 28">
+            <a:extLst>
+              <a:ext uri="{FF2B5EF4-FFF2-40B4-BE49-F238E27FC236}">
+                <a16:creationId xmlns:a16="http://schemas.microsoft.com/office/drawing/2014/main" id="{0B990C19-E545-B95B-3E71-53AB488596F5}"/>
               </a:ext>
             </a:extLst>
           </p:cNvPr>
@@ -4637,8 +5145,8 @@
         </p:nvCxnSpPr>
         <p:spPr>
           <a:xfrm>
-            <a:off x="7185161" y="3414712"/>
-            <a:ext cx="0" cy="1257300"/>
+            <a:off x="4329113" y="4412019"/>
+            <a:ext cx="0" cy="157838"/>
           </a:xfrm>
           <a:prstGeom prst="straightConnector1">
             <a:avLst/>
@@ -4647,8 +5155,6 @@
             <a:solidFill>
               <a:schemeClr val="tx1"/>
             </a:solidFill>
-            <a:prstDash val="sysDot"/>
-            <a:headEnd type="triangle"/>
             <a:tailEnd type="triangle"/>
           </a:ln>
         </p:spPr>
@@ -4669,10 +5175,10 @@
       </p:cxnSp>
       <p:sp>
         <p:nvSpPr>
-          <p:cNvPr id="17" name="TextBox 16">
-            <a:extLst>
-              <a:ext uri="{FF2B5EF4-FFF2-40B4-BE49-F238E27FC236}">
-                <a16:creationId xmlns:a16="http://schemas.microsoft.com/office/drawing/2014/main" id="{FF0538AD-678D-FB57-8AAB-0AA53B655B89}"/>
+          <p:cNvPr id="36" name="TextBox 35">
+            <a:extLst>
+              <a:ext uri="{FF2B5EF4-FFF2-40B4-BE49-F238E27FC236}">
+                <a16:creationId xmlns:a16="http://schemas.microsoft.com/office/drawing/2014/main" id="{977507D6-B61C-D366-D577-9FF2B232254B}"/>
               </a:ext>
             </a:extLst>
           </p:cNvPr>
@@ -4681,8 +5187,100 @@
         </p:nvSpPr>
         <p:spPr>
           <a:xfrm>
-            <a:off x="6365374" y="3964982"/>
-            <a:ext cx="886765" cy="253916"/>
+            <a:off x="4311016" y="4634632"/>
+            <a:ext cx="585417" cy="261610"/>
+          </a:xfrm>
+          <a:prstGeom prst="rect">
+            <a:avLst/>
+          </a:prstGeom>
+          <a:noFill/>
+          <a:effectLst>
+            <a:glow rad="228600">
+              <a:srgbClr val="FFFFFF"/>
+            </a:glow>
+          </a:effectLst>
+        </p:spPr>
+        <p:txBody>
+          <a:bodyPr wrap="none" rtlCol="0">
+            <a:spAutoFit/>
+          </a:bodyPr>
+          <a:lstStyle/>
+          <a:p>
+            <a:r>
+              <a:rPr lang="en-US" sz="1100" b="1" dirty="0">
+                <a:effectLst>
+                  <a:glow rad="755625">
+                    <a:srgbClr val="FDFAFF">
+                      <a:alpha val="80531"/>
+                    </a:srgbClr>
+                  </a:glow>
+                </a:effectLst>
+              </a:rPr>
+              <a:t>-17.7%</a:t>
+            </a:r>
+          </a:p>
+        </p:txBody>
+      </p:sp>
+      <p:cxnSp>
+        <p:nvCxnSpPr>
+          <p:cNvPr id="37" name="Straight Arrow Connector 36">
+            <a:extLst>
+              <a:ext uri="{FF2B5EF4-FFF2-40B4-BE49-F238E27FC236}">
+                <a16:creationId xmlns:a16="http://schemas.microsoft.com/office/drawing/2014/main" id="{A7D3C0DA-4378-A9B2-3973-71E2F15D5D08}"/>
+              </a:ext>
+            </a:extLst>
+          </p:cNvPr>
+          <p:cNvCxnSpPr>
+            <a:cxnSpLocks/>
+          </p:cNvCxnSpPr>
+          <p:nvPr/>
+        </p:nvCxnSpPr>
+        <p:spPr>
+          <a:xfrm>
+            <a:off x="4329113" y="4699407"/>
+            <a:ext cx="0" cy="157838"/>
+          </a:xfrm>
+          <a:prstGeom prst="straightConnector1">
+            <a:avLst/>
+          </a:prstGeom>
+          <a:ln w="28575">
+            <a:solidFill>
+              <a:schemeClr val="tx1"/>
+            </a:solidFill>
+            <a:tailEnd type="triangle"/>
+          </a:ln>
+        </p:spPr>
+        <p:style>
+          <a:lnRef idx="1">
+            <a:schemeClr val="accent1"/>
+          </a:lnRef>
+          <a:fillRef idx="0">
+            <a:schemeClr val="accent1"/>
+          </a:fillRef>
+          <a:effectRef idx="0">
+            <a:schemeClr val="accent1"/>
+          </a:effectRef>
+          <a:fontRef idx="minor">
+            <a:schemeClr val="tx1"/>
+          </a:fontRef>
+        </p:style>
+      </p:cxnSp>
+      <p:sp>
+        <p:nvSpPr>
+          <p:cNvPr id="38" name="TextBox 37">
+            <a:extLst>
+              <a:ext uri="{FF2B5EF4-FFF2-40B4-BE49-F238E27FC236}">
+                <a16:creationId xmlns:a16="http://schemas.microsoft.com/office/drawing/2014/main" id="{C3EEA766-799E-2FEA-728B-3BE878407315}"/>
+              </a:ext>
+            </a:extLst>
+          </p:cNvPr>
+          <p:cNvSpPr txBox="1"/>
+          <p:nvPr/>
+        </p:nvSpPr>
+        <p:spPr>
+          <a:xfrm>
+            <a:off x="2781300" y="6294120"/>
+            <a:ext cx="1677062" cy="369332"/>
           </a:xfrm>
           <a:prstGeom prst="rect">
             <a:avLst/>
@@ -4690,32 +5288,24 @@
           <a:noFill/>
         </p:spPr>
         <p:txBody>
-          <a:bodyPr wrap="square" rtlCol="0">
+          <a:bodyPr wrap="none" rtlCol="0">
             <a:spAutoFit/>
           </a:bodyPr>
           <a:lstStyle/>
           <a:p>
             <a:r>
-              <a:rPr lang="en-US" sz="1050" b="1" dirty="0">
-                <a:effectLst>
-                  <a:glow rad="479300">
-                    <a:srgbClr val="FFFFFF">
-                      <a:alpha val="60000"/>
-                    </a:srgbClr>
-                  </a:glow>
-                </a:effectLst>
-              </a:rPr>
-              <a:t>~8.1x lower</a:t>
-            </a:r>
-          </a:p>
-        </p:txBody>
-      </p:sp>
-      <p:sp>
-        <p:nvSpPr>
-          <p:cNvPr id="19" name="TextBox 18">
-            <a:extLst>
-              <a:ext uri="{FF2B5EF4-FFF2-40B4-BE49-F238E27FC236}">
-                <a16:creationId xmlns:a16="http://schemas.microsoft.com/office/drawing/2014/main" id="{110639CA-165C-BEB9-B2DD-F696C773E3FA}"/>
+              <a:rPr lang="en-US" dirty="0"/>
+              <a:t>0.07296/0.0886</a:t>
+            </a:r>
+          </a:p>
+        </p:txBody>
+      </p:sp>
+      <p:sp>
+        <p:nvSpPr>
+          <p:cNvPr id="39" name="TextBox 38">
+            <a:extLst>
+              <a:ext uri="{FF2B5EF4-FFF2-40B4-BE49-F238E27FC236}">
+                <a16:creationId xmlns:a16="http://schemas.microsoft.com/office/drawing/2014/main" id="{5D0C6E0E-5605-D78D-7244-F01938951112}"/>
               </a:ext>
             </a:extLst>
           </p:cNvPr>
@@ -4724,8 +5314,8 @@
         </p:nvSpPr>
         <p:spPr>
           <a:xfrm>
-            <a:off x="1553029" y="5544457"/>
-            <a:ext cx="1443024" cy="369332"/>
+            <a:off x="2712378" y="1366463"/>
+            <a:ext cx="184731" cy="369332"/>
           </a:xfrm>
           <a:prstGeom prst="rect">
             <a:avLst/>
@@ -4738,10 +5328,7 @@
           </a:bodyPr>
           <a:lstStyle/>
           <a:p>
-            <a:r>
-              <a:rPr lang="en-US" dirty="0"/>
-              <a:t>0.73/0.08960</a:t>
-            </a:r>
+            <a:endParaRPr lang="en-US" dirty="0"/>
           </a:p>
         </p:txBody>
       </p:sp>
@@ -4775,6 +5362,90 @@
           <a:chExt cx="0" cy="0"/>
         </a:xfrm>
       </p:grpSpPr>
+      <p:sp>
+        <p:nvSpPr>
+          <p:cNvPr id="2" name="Title 1">
+            <a:extLst>
+              <a:ext uri="{FF2B5EF4-FFF2-40B4-BE49-F238E27FC236}">
+                <a16:creationId xmlns:a16="http://schemas.microsoft.com/office/drawing/2014/main" id="{ED5A7ADE-3558-89B9-FD21-404D2F185F3E}"/>
+              </a:ext>
+            </a:extLst>
+          </p:cNvPr>
+          <p:cNvSpPr>
+            <a:spLocks noGrp="1"/>
+          </p:cNvSpPr>
+          <p:nvPr>
+            <p:ph type="title"/>
+          </p:nvPr>
+        </p:nvSpPr>
+        <p:spPr/>
+        <p:txBody>
+          <a:bodyPr/>
+          <a:lstStyle/>
+          <a:p>
+            <a:endParaRPr lang="en-US"/>
+          </a:p>
+        </p:txBody>
+      </p:sp>
+      <p:pic>
+        <p:nvPicPr>
+          <p:cNvPr id="5" name="Content Placeholder 4">
+            <a:extLst>
+              <a:ext uri="{FF2B5EF4-FFF2-40B4-BE49-F238E27FC236}">
+                <a16:creationId xmlns:a16="http://schemas.microsoft.com/office/drawing/2014/main" id="{9FF917ED-AC66-2F9C-0608-F235D721B4F1}"/>
+              </a:ext>
+            </a:extLst>
+          </p:cNvPr>
+          <p:cNvPicPr>
+            <a:picLocks noGrp="1" noChangeAspect="1"/>
+          </p:cNvPicPr>
+          <p:nvPr>
+            <p:ph idx="1"/>
+          </p:nvPr>
+        </p:nvPicPr>
+        <p:blipFill>
+          <a:blip r:embed="rId2"/>
+          <a:stretch>
+            <a:fillRect/>
+          </a:stretch>
+        </p:blipFill>
+        <p:spPr>
+          <a:xfrm>
+            <a:off x="1371600" y="2567464"/>
+            <a:ext cx="6400800" cy="3111500"/>
+          </a:xfrm>
+        </p:spPr>
+      </p:pic>
+    </p:spTree>
+    <p:extLst>
+      <p:ext uri="{BB962C8B-B14F-4D97-AF65-F5344CB8AC3E}">
+        <p14:creationId xmlns:p14="http://schemas.microsoft.com/office/powerpoint/2010/main" val="589471364"/>
+      </p:ext>
+    </p:extLst>
+  </p:cSld>
+  <p:clrMapOvr>
+    <a:masterClrMapping/>
+  </p:clrMapOvr>
+</p:sld>
+</file>
+
+<file path=ppt/slides/slide4.xml><?xml version="1.0" encoding="utf-8"?>
+<p:sld xmlns:a="http://schemas.openxmlformats.org/drawingml/2006/main" xmlns:r="http://schemas.openxmlformats.org/officeDocument/2006/relationships" xmlns:p="http://schemas.openxmlformats.org/presentationml/2006/main">
+  <p:cSld>
+    <p:spTree>
+      <p:nvGrpSpPr>
+        <p:cNvPr id="1" name=""/>
+        <p:cNvGrpSpPr/>
+        <p:nvPr/>
+      </p:nvGrpSpPr>
+      <p:grpSpPr>
+        <a:xfrm>
+          <a:off x="0" y="0"/>
+          <a:ext cx="0" cy="0"/>
+          <a:chOff x="0" y="0"/>
+          <a:chExt cx="0" cy="0"/>
+        </a:xfrm>
+      </p:grpSpPr>
       <p:graphicFrame>
         <p:nvGraphicFramePr>
           <p:cNvPr id="5" name="Chart 4">
@@ -4790,14 +5461,14 @@
           <p:nvPr>
             <p:extLst>
               <p:ext uri="{D42A27DB-BD31-4B8C-83A1-F6EECF244321}">
-                <p14:modId xmlns:p14="http://schemas.microsoft.com/office/powerpoint/2010/main" val="2221292614"/>
+                <p14:modId xmlns:p14="http://schemas.microsoft.com/office/powerpoint/2010/main" val="2311273250"/>
               </p:ext>
             </p:extLst>
           </p:nvPr>
         </p:nvGraphicFramePr>
         <p:xfrm>
-          <a:off x="5108574" y="2679700"/>
-          <a:ext cx="2333625" cy="1724024"/>
+          <a:off x="5108574" y="2434975"/>
+          <a:ext cx="2333625" cy="1968749"/>
         </p:xfrm>
         <a:graphic>
           <a:graphicData uri="http://schemas.openxmlformats.org/drawingml/2006/chart">
@@ -4821,7 +5492,7 @@
         </p:nvCxnSpPr>
         <p:spPr>
           <a:xfrm>
-            <a:off x="5713273" y="3476625"/>
+            <a:off x="5702999" y="3414981"/>
             <a:ext cx="146050" cy="158750"/>
           </a:xfrm>
           <a:prstGeom prst="straightConnector1">
@@ -4855,12 +5526,14 @@
               </a:ext>
             </a:extLst>
           </p:cNvPr>
-          <p:cNvCxnSpPr/>
+          <p:cNvCxnSpPr>
+            <a:cxnSpLocks/>
+          </p:cNvCxnSpPr>
           <p:nvPr/>
         </p:nvCxnSpPr>
         <p:spPr>
           <a:xfrm>
-            <a:off x="6343651" y="3349625"/>
+            <a:off x="6323103" y="3257159"/>
             <a:ext cx="146050" cy="158750"/>
           </a:xfrm>
           <a:prstGeom prst="straightConnector1">
@@ -4901,7 +5574,7 @@
         </p:nvCxnSpPr>
         <p:spPr>
           <a:xfrm>
-            <a:off x="6946856" y="2894941"/>
+            <a:off x="6959072" y="2720280"/>
             <a:ext cx="146050" cy="158750"/>
           </a:xfrm>
           <a:prstGeom prst="straightConnector1">
@@ -4940,7 +5613,7 @@
         </p:nvSpPr>
         <p:spPr>
           <a:xfrm>
-            <a:off x="5463724" y="3300884"/>
+            <a:off x="5453450" y="3239240"/>
             <a:ext cx="670376" cy="215444"/>
           </a:xfrm>
           <a:prstGeom prst="rect">
@@ -4981,7 +5654,7 @@
         </p:nvSpPr>
         <p:spPr>
           <a:xfrm>
-            <a:off x="6027513" y="3173311"/>
+            <a:off x="6006965" y="3080845"/>
             <a:ext cx="619080" cy="215444"/>
           </a:xfrm>
           <a:prstGeom prst="rect">
@@ -5016,7 +5689,7 @@
         </p:nvSpPr>
         <p:spPr>
           <a:xfrm>
-            <a:off x="6646593" y="2711247"/>
+            <a:off x="6658809" y="2536586"/>
             <a:ext cx="670376" cy="215444"/>
           </a:xfrm>
           <a:prstGeom prst="rect">
@@ -5349,4 +6022,299 @@
     </a:ext>
   </a:extLst>
 </a:theme>
+</file>
+
+<file path=ppt/theme/theme2.xml><?xml version="1.0" encoding="utf-8"?>
+<a:theme xmlns:a="http://schemas.openxmlformats.org/drawingml/2006/main" name="Office Theme">
+  <a:themeElements>
+    <a:clrScheme name="Office">
+      <a:dk1>
+        <a:sysClr val="windowText" lastClr="000000"/>
+      </a:dk1>
+      <a:lt1>
+        <a:sysClr val="window" lastClr="FFFFFF"/>
+      </a:lt1>
+      <a:dk2>
+        <a:srgbClr val="44546A"/>
+      </a:dk2>
+      <a:lt2>
+        <a:srgbClr val="E7E6E6"/>
+      </a:lt2>
+      <a:accent1>
+        <a:srgbClr val="4472C4"/>
+      </a:accent1>
+      <a:accent2>
+        <a:srgbClr val="ED7D31"/>
+      </a:accent2>
+      <a:accent3>
+        <a:srgbClr val="A5A5A5"/>
+      </a:accent3>
+      <a:accent4>
+        <a:srgbClr val="FFC000"/>
+      </a:accent4>
+      <a:accent5>
+        <a:srgbClr val="5B9BD5"/>
+      </a:accent5>
+      <a:accent6>
+        <a:srgbClr val="70AD47"/>
+      </a:accent6>
+      <a:hlink>
+        <a:srgbClr val="0563C1"/>
+      </a:hlink>
+      <a:folHlink>
+        <a:srgbClr val="954F72"/>
+      </a:folHlink>
+    </a:clrScheme>
+    <a:fontScheme name="Office">
+      <a:majorFont>
+        <a:latin typeface="Calibri Light" panose="020F0302020204030204"/>
+        <a:ea typeface=""/>
+        <a:cs typeface=""/>
+        <a:font script="Jpan" typeface="游ゴシック Light"/>
+        <a:font script="Hang" typeface="맑은 고딕"/>
+        <a:font script="Hans" typeface="等线 Light"/>
+        <a:font script="Hant" typeface="新細明體"/>
+        <a:font script="Arab" typeface="Times New Roman"/>
+        <a:font script="Hebr" typeface="Times New Roman"/>
+        <a:font script="Thai" typeface="Angsana New"/>
+        <a:font script="Ethi" typeface="Nyala"/>
+        <a:font script="Beng" typeface="Vrinda"/>
+        <a:font script="Gujr" typeface="Shruti"/>
+        <a:font script="Khmr" typeface="MoolBoran"/>
+        <a:font script="Knda" typeface="Tunga"/>
+        <a:font script="Guru" typeface="Raavi"/>
+        <a:font script="Cans" typeface="Euphemia"/>
+        <a:font script="Cher" typeface="Plantagenet Cherokee"/>
+        <a:font script="Yiii" typeface="Microsoft Yi Baiti"/>
+        <a:font script="Tibt" typeface="Microsoft Himalaya"/>
+        <a:font script="Thaa" typeface="MV Boli"/>
+        <a:font script="Deva" typeface="Mangal"/>
+        <a:font script="Telu" typeface="Gautami"/>
+        <a:font script="Taml" typeface="Latha"/>
+        <a:font script="Syrc" typeface="Estrangelo Edessa"/>
+        <a:font script="Orya" typeface="Kalinga"/>
+        <a:font script="Mlym" typeface="Kartika"/>
+        <a:font script="Laoo" typeface="DokChampa"/>
+        <a:font script="Sinh" typeface="Iskoola Pota"/>
+        <a:font script="Mong" typeface="Mongolian Baiti"/>
+        <a:font script="Viet" typeface="Times New Roman"/>
+        <a:font script="Uigh" typeface="Microsoft Uighur"/>
+        <a:font script="Geor" typeface="Sylfaen"/>
+        <a:font script="Armn" typeface="Arial"/>
+        <a:font script="Bugi" typeface="Leelawadee UI"/>
+        <a:font script="Bopo" typeface="Microsoft JhengHei"/>
+        <a:font script="Java" typeface="Javanese Text"/>
+        <a:font script="Lisu" typeface="Segoe UI"/>
+        <a:font script="Mymr" typeface="Myanmar Text"/>
+        <a:font script="Nkoo" typeface="Ebrima"/>
+        <a:font script="Olck" typeface="Nirmala UI"/>
+        <a:font script="Osma" typeface="Ebrima"/>
+        <a:font script="Phag" typeface="Phagspa"/>
+        <a:font script="Syrn" typeface="Estrangelo Edessa"/>
+        <a:font script="Syrj" typeface="Estrangelo Edessa"/>
+        <a:font script="Syre" typeface="Estrangelo Edessa"/>
+        <a:font script="Sora" typeface="Nirmala UI"/>
+        <a:font script="Tale" typeface="Microsoft Tai Le"/>
+        <a:font script="Talu" typeface="Microsoft New Tai Lue"/>
+        <a:font script="Tfng" typeface="Ebrima"/>
+      </a:majorFont>
+      <a:minorFont>
+        <a:latin typeface="Calibri" panose="020F0502020204030204"/>
+        <a:ea typeface=""/>
+        <a:cs typeface=""/>
+        <a:font script="Jpan" typeface="游ゴシック"/>
+        <a:font script="Hang" typeface="맑은 고딕"/>
+        <a:font script="Hans" typeface="等线"/>
+        <a:font script="Hant" typeface="新細明體"/>
+        <a:font script="Arab" typeface="Arial"/>
+        <a:font script="Hebr" typeface="Arial"/>
+        <a:font script="Thai" typeface="Cordia New"/>
+        <a:font script="Ethi" typeface="Nyala"/>
+        <a:font script="Beng" typeface="Vrinda"/>
+        <a:font script="Gujr" typeface="Shruti"/>
+        <a:font script="Khmr" typeface="DaunPenh"/>
+        <a:font script="Knda" typeface="Tunga"/>
+        <a:font script="Guru" typeface="Raavi"/>
+        <a:font script="Cans" typeface="Euphemia"/>
+        <a:font script="Cher" typeface="Plantagenet Cherokee"/>
+        <a:font script="Yiii" typeface="Microsoft Yi Baiti"/>
+        <a:font script="Tibt" typeface="Microsoft Himalaya"/>
+        <a:font script="Thaa" typeface="MV Boli"/>
+        <a:font script="Deva" typeface="Mangal"/>
+        <a:font script="Telu" typeface="Gautami"/>
+        <a:font script="Taml" typeface="Latha"/>
+        <a:font script="Syrc" typeface="Estrangelo Edessa"/>
+        <a:font script="Orya" typeface="Kalinga"/>
+        <a:font script="Mlym" typeface="Kartika"/>
+        <a:font script="Laoo" typeface="DokChampa"/>
+        <a:font script="Sinh" typeface="Iskoola Pota"/>
+        <a:font script="Mong" typeface="Mongolian Baiti"/>
+        <a:font script="Viet" typeface="Arial"/>
+        <a:font script="Uigh" typeface="Microsoft Uighur"/>
+        <a:font script="Geor" typeface="Sylfaen"/>
+        <a:font script="Armn" typeface="Arial"/>
+        <a:font script="Bugi" typeface="Leelawadee UI"/>
+        <a:font script="Bopo" typeface="Microsoft JhengHei"/>
+        <a:font script="Java" typeface="Javanese Text"/>
+        <a:font script="Lisu" typeface="Segoe UI"/>
+        <a:font script="Mymr" typeface="Myanmar Text"/>
+        <a:font script="Nkoo" typeface="Ebrima"/>
+        <a:font script="Olck" typeface="Nirmala UI"/>
+        <a:font script="Osma" typeface="Ebrima"/>
+        <a:font script="Phag" typeface="Phagspa"/>
+        <a:font script="Syrn" typeface="Estrangelo Edessa"/>
+        <a:font script="Syrj" typeface="Estrangelo Edessa"/>
+        <a:font script="Syre" typeface="Estrangelo Edessa"/>
+        <a:font script="Sora" typeface="Nirmala UI"/>
+        <a:font script="Tale" typeface="Microsoft Tai Le"/>
+        <a:font script="Talu" typeface="Microsoft New Tai Lue"/>
+        <a:font script="Tfng" typeface="Ebrima"/>
+      </a:minorFont>
+    </a:fontScheme>
+    <a:fmtScheme name="Office">
+      <a:fillStyleLst>
+        <a:solidFill>
+          <a:schemeClr val="phClr"/>
+        </a:solidFill>
+        <a:gradFill rotWithShape="1">
+          <a:gsLst>
+            <a:gs pos="0">
+              <a:schemeClr val="phClr">
+                <a:lumMod val="110000"/>
+                <a:satMod val="105000"/>
+                <a:tint val="67000"/>
+              </a:schemeClr>
+            </a:gs>
+            <a:gs pos="50000">
+              <a:schemeClr val="phClr">
+                <a:lumMod val="105000"/>
+                <a:satMod val="103000"/>
+                <a:tint val="73000"/>
+              </a:schemeClr>
+            </a:gs>
+            <a:gs pos="100000">
+              <a:schemeClr val="phClr">
+                <a:lumMod val="105000"/>
+                <a:satMod val="109000"/>
+                <a:tint val="81000"/>
+              </a:schemeClr>
+            </a:gs>
+          </a:gsLst>
+          <a:lin ang="5400000" scaled="0"/>
+        </a:gradFill>
+        <a:gradFill rotWithShape="1">
+          <a:gsLst>
+            <a:gs pos="0">
+              <a:schemeClr val="phClr">
+                <a:satMod val="103000"/>
+                <a:lumMod val="102000"/>
+                <a:tint val="94000"/>
+              </a:schemeClr>
+            </a:gs>
+            <a:gs pos="50000">
+              <a:schemeClr val="phClr">
+                <a:satMod val="110000"/>
+                <a:lumMod val="100000"/>
+                <a:shade val="100000"/>
+              </a:schemeClr>
+            </a:gs>
+            <a:gs pos="100000">
+              <a:schemeClr val="phClr">
+                <a:lumMod val="99000"/>
+                <a:satMod val="120000"/>
+                <a:shade val="78000"/>
+              </a:schemeClr>
+            </a:gs>
+          </a:gsLst>
+          <a:lin ang="5400000" scaled="0"/>
+        </a:gradFill>
+      </a:fillStyleLst>
+      <a:lnStyleLst>
+        <a:ln w="6350" cap="flat" cmpd="sng" algn="ctr">
+          <a:solidFill>
+            <a:schemeClr val="phClr"/>
+          </a:solidFill>
+          <a:prstDash val="solid"/>
+          <a:miter lim="800000"/>
+        </a:ln>
+        <a:ln w="12700" cap="flat" cmpd="sng" algn="ctr">
+          <a:solidFill>
+            <a:schemeClr val="phClr"/>
+          </a:solidFill>
+          <a:prstDash val="solid"/>
+          <a:miter lim="800000"/>
+        </a:ln>
+        <a:ln w="19050" cap="flat" cmpd="sng" algn="ctr">
+          <a:solidFill>
+            <a:schemeClr val="phClr"/>
+          </a:solidFill>
+          <a:prstDash val="solid"/>
+          <a:miter lim="800000"/>
+        </a:ln>
+      </a:lnStyleLst>
+      <a:effectStyleLst>
+        <a:effectStyle>
+          <a:effectLst/>
+        </a:effectStyle>
+        <a:effectStyle>
+          <a:effectLst/>
+        </a:effectStyle>
+        <a:effectStyle>
+          <a:effectLst>
+            <a:outerShdw blurRad="57150" dist="19050" dir="5400000" algn="ctr" rotWithShape="0">
+              <a:srgbClr val="000000">
+                <a:alpha val="63000"/>
+              </a:srgbClr>
+            </a:outerShdw>
+          </a:effectLst>
+        </a:effectStyle>
+      </a:effectStyleLst>
+      <a:bgFillStyleLst>
+        <a:solidFill>
+          <a:schemeClr val="phClr"/>
+        </a:solidFill>
+        <a:solidFill>
+          <a:schemeClr val="phClr">
+            <a:tint val="95000"/>
+            <a:satMod val="170000"/>
+          </a:schemeClr>
+        </a:solidFill>
+        <a:gradFill rotWithShape="1">
+          <a:gsLst>
+            <a:gs pos="0">
+              <a:schemeClr val="phClr">
+                <a:tint val="93000"/>
+                <a:satMod val="150000"/>
+                <a:shade val="98000"/>
+                <a:lumMod val="102000"/>
+              </a:schemeClr>
+            </a:gs>
+            <a:gs pos="50000">
+              <a:schemeClr val="phClr">
+                <a:tint val="98000"/>
+                <a:satMod val="130000"/>
+                <a:shade val="90000"/>
+                <a:lumMod val="103000"/>
+              </a:schemeClr>
+            </a:gs>
+            <a:gs pos="100000">
+              <a:schemeClr val="phClr">
+                <a:shade val="63000"/>
+                <a:satMod val="120000"/>
+              </a:schemeClr>
+            </a:gs>
+          </a:gsLst>
+          <a:lin ang="5400000" scaled="0"/>
+        </a:gradFill>
+      </a:bgFillStyleLst>
+    </a:fmtScheme>
+  </a:themeElements>
+  <a:objectDefaults/>
+  <a:extraClrSchemeLst/>
+  <a:extLst>
+    <a:ext uri="{05A4C25C-085E-4340-85A3-A5531E510DB2}">
+      <thm15:themeFamily xmlns:thm15="http://schemas.microsoft.com/office/thememl/2012/main" name="Office Theme" id="{62F939B6-93AF-4DB8-9C6B-D6C7DFDC589F}" vid="{4A3C46E8-61CC-4603-A589-7422A47A8E4A}"/>
+    </a:ext>
+  </a:extLst>
+</a:theme>
 </file>
--- a/figures/Figures.pptx
+++ b/figures/Figures.pptx
@@ -5,13 +5,14 @@
     <p:sldMasterId id="2147483648" r:id="rId1"/>
   </p:sldMasterIdLst>
   <p:notesMasterIdLst>
-    <p:notesMasterId r:id="rId6"/>
+    <p:notesMasterId r:id="rId7"/>
   </p:notesMasterIdLst>
   <p:sldIdLst>
     <p:sldId id="256" r:id="rId2"/>
     <p:sldId id="258" r:id="rId3"/>
     <p:sldId id="259" r:id="rId4"/>
     <p:sldId id="257" r:id="rId5"/>
+    <p:sldId id="260" r:id="rId6"/>
   </p:sldIdLst>
   <p:sldSz cx="12192000" cy="6858000"/>
   <p:notesSz cx="6858000" cy="9144000"/>
@@ -1134,7 +1135,7 @@
           <a:p>
             <a:fld id="{3CCE1754-A672-D343-997A-B62ADFEAB4ED}" type="datetimeFigureOut">
               <a:rPr lang="en-US" smtClean="0"/>
-              <a:t>6/7/22</a:t>
+              <a:t>6/8/22</a:t>
             </a:fld>
             <a:endParaRPr lang="en-US"/>
           </a:p>
@@ -1632,7 +1633,7 @@
           <a:p>
             <a:fld id="{A84E7E5A-7D61-5648-87E3-1FDC0165F5DF}" type="datetimeFigureOut">
               <a:rPr lang="en-US" smtClean="0"/>
-              <a:t>6/6/22</a:t>
+              <a:t>6/8/22</a:t>
             </a:fld>
             <a:endParaRPr lang="en-US"/>
           </a:p>
@@ -1830,7 +1831,7 @@
           <a:p>
             <a:fld id="{A84E7E5A-7D61-5648-87E3-1FDC0165F5DF}" type="datetimeFigureOut">
               <a:rPr lang="en-US" smtClean="0"/>
-              <a:t>6/6/22</a:t>
+              <a:t>6/8/22</a:t>
             </a:fld>
             <a:endParaRPr lang="en-US"/>
           </a:p>
@@ -2038,7 +2039,7 @@
           <a:p>
             <a:fld id="{A84E7E5A-7D61-5648-87E3-1FDC0165F5DF}" type="datetimeFigureOut">
               <a:rPr lang="en-US" smtClean="0"/>
-              <a:t>6/6/22</a:t>
+              <a:t>6/8/22</a:t>
             </a:fld>
             <a:endParaRPr lang="en-US"/>
           </a:p>
@@ -2236,7 +2237,7 @@
           <a:p>
             <a:fld id="{A84E7E5A-7D61-5648-87E3-1FDC0165F5DF}" type="datetimeFigureOut">
               <a:rPr lang="en-US" smtClean="0"/>
-              <a:t>6/6/22</a:t>
+              <a:t>6/8/22</a:t>
             </a:fld>
             <a:endParaRPr lang="en-US"/>
           </a:p>
@@ -2511,7 +2512,7 @@
           <a:p>
             <a:fld id="{A84E7E5A-7D61-5648-87E3-1FDC0165F5DF}" type="datetimeFigureOut">
               <a:rPr lang="en-US" smtClean="0"/>
-              <a:t>6/6/22</a:t>
+              <a:t>6/8/22</a:t>
             </a:fld>
             <a:endParaRPr lang="en-US"/>
           </a:p>
@@ -2776,7 +2777,7 @@
           <a:p>
             <a:fld id="{A84E7E5A-7D61-5648-87E3-1FDC0165F5DF}" type="datetimeFigureOut">
               <a:rPr lang="en-US" smtClean="0"/>
-              <a:t>6/6/22</a:t>
+              <a:t>6/8/22</a:t>
             </a:fld>
             <a:endParaRPr lang="en-US"/>
           </a:p>
@@ -3188,7 +3189,7 @@
           <a:p>
             <a:fld id="{A84E7E5A-7D61-5648-87E3-1FDC0165F5DF}" type="datetimeFigureOut">
               <a:rPr lang="en-US" smtClean="0"/>
-              <a:t>6/6/22</a:t>
+              <a:t>6/8/22</a:t>
             </a:fld>
             <a:endParaRPr lang="en-US"/>
           </a:p>
@@ -3329,7 +3330,7 @@
           <a:p>
             <a:fld id="{A84E7E5A-7D61-5648-87E3-1FDC0165F5DF}" type="datetimeFigureOut">
               <a:rPr lang="en-US" smtClean="0"/>
-              <a:t>6/6/22</a:t>
+              <a:t>6/8/22</a:t>
             </a:fld>
             <a:endParaRPr lang="en-US"/>
           </a:p>
@@ -3442,7 +3443,7 @@
           <a:p>
             <a:fld id="{A84E7E5A-7D61-5648-87E3-1FDC0165F5DF}" type="datetimeFigureOut">
               <a:rPr lang="en-US" smtClean="0"/>
-              <a:t>6/6/22</a:t>
+              <a:t>6/8/22</a:t>
             </a:fld>
             <a:endParaRPr lang="en-US"/>
           </a:p>
@@ -3753,7 +3754,7 @@
           <a:p>
             <a:fld id="{A84E7E5A-7D61-5648-87E3-1FDC0165F5DF}" type="datetimeFigureOut">
               <a:rPr lang="en-US" smtClean="0"/>
-              <a:t>6/6/22</a:t>
+              <a:t>6/8/22</a:t>
             </a:fld>
             <a:endParaRPr lang="en-US"/>
           </a:p>
@@ -4041,7 +4042,7 @@
           <a:p>
             <a:fld id="{A84E7E5A-7D61-5648-87E3-1FDC0165F5DF}" type="datetimeFigureOut">
               <a:rPr lang="en-US" smtClean="0"/>
-              <a:t>6/6/22</a:t>
+              <a:t>6/8/22</a:t>
             </a:fld>
             <a:endParaRPr lang="en-US"/>
           </a:p>
@@ -4282,7 +4283,7 @@
           <a:p>
             <a:fld id="{A84E7E5A-7D61-5648-87E3-1FDC0165F5DF}" type="datetimeFigureOut">
               <a:rPr lang="en-US" smtClean="0"/>
-              <a:t>6/6/22</a:t>
+              <a:t>6/8/22</a:t>
             </a:fld>
             <a:endParaRPr lang="en-US"/>
           </a:p>
@@ -5720,6 +5721,496 @@
     <p:extLst>
       <p:ext uri="{BB962C8B-B14F-4D97-AF65-F5344CB8AC3E}">
         <p14:creationId xmlns:p14="http://schemas.microsoft.com/office/powerpoint/2010/main" val="829470615"/>
+      </p:ext>
+    </p:extLst>
+  </p:cSld>
+  <p:clrMapOvr>
+    <a:masterClrMapping/>
+  </p:clrMapOvr>
+</p:sld>
+</file>
+
+<file path=ppt/slides/slide5.xml><?xml version="1.0" encoding="utf-8"?>
+<p:sld xmlns:a="http://schemas.openxmlformats.org/drawingml/2006/main" xmlns:r="http://schemas.openxmlformats.org/officeDocument/2006/relationships" xmlns:p="http://schemas.openxmlformats.org/presentationml/2006/main">
+  <p:cSld>
+    <p:spTree>
+      <p:nvGrpSpPr>
+        <p:cNvPr id="1" name=""/>
+        <p:cNvGrpSpPr/>
+        <p:nvPr/>
+      </p:nvGrpSpPr>
+      <p:grpSpPr>
+        <a:xfrm>
+          <a:off x="0" y="0"/>
+          <a:ext cx="0" cy="0"/>
+          <a:chOff x="0" y="0"/>
+          <a:chExt cx="0" cy="0"/>
+        </a:xfrm>
+      </p:grpSpPr>
+      <p:sp>
+        <p:nvSpPr>
+          <p:cNvPr id="2" name="Title 1">
+            <a:extLst>
+              <a:ext uri="{FF2B5EF4-FFF2-40B4-BE49-F238E27FC236}">
+                <a16:creationId xmlns:a16="http://schemas.microsoft.com/office/drawing/2014/main" id="{E74F4F8F-3A2E-A4C3-8E31-BB8B2D784633}"/>
+              </a:ext>
+            </a:extLst>
+          </p:cNvPr>
+          <p:cNvSpPr>
+            <a:spLocks noGrp="1"/>
+          </p:cNvSpPr>
+          <p:nvPr>
+            <p:ph type="title"/>
+          </p:nvPr>
+        </p:nvSpPr>
+        <p:spPr/>
+        <p:txBody>
+          <a:bodyPr/>
+          <a:lstStyle/>
+          <a:p>
+            <a:endParaRPr lang="en-US" dirty="0"/>
+          </a:p>
+        </p:txBody>
+      </p:sp>
+      <p:pic>
+        <p:nvPicPr>
+          <p:cNvPr id="7" name="Content Placeholder 6" descr="Diagram, schematic&#10;&#10;Description automatically generated">
+            <a:extLst>
+              <a:ext uri="{FF2B5EF4-FFF2-40B4-BE49-F238E27FC236}">
+                <a16:creationId xmlns:a16="http://schemas.microsoft.com/office/drawing/2014/main" id="{7A41EDE0-00AF-CF76-B211-62456CDEDDA3}"/>
+              </a:ext>
+            </a:extLst>
+          </p:cNvPr>
+          <p:cNvPicPr>
+            <a:picLocks noGrp="1" noChangeAspect="1"/>
+          </p:cNvPicPr>
+          <p:nvPr>
+            <p:ph idx="1"/>
+          </p:nvPr>
+        </p:nvPicPr>
+        <p:blipFill>
+          <a:blip r:embed="rId2"/>
+          <a:stretch>
+            <a:fillRect/>
+          </a:stretch>
+        </p:blipFill>
+        <p:spPr>
+          <a:xfrm>
+            <a:off x="1873517" y="1825625"/>
+            <a:ext cx="8444965" cy="4351338"/>
+          </a:xfrm>
+        </p:spPr>
+      </p:pic>
+      <p:sp>
+        <p:nvSpPr>
+          <p:cNvPr id="10" name="TextBox 9">
+            <a:extLst>
+              <a:ext uri="{FF2B5EF4-FFF2-40B4-BE49-F238E27FC236}">
+                <a16:creationId xmlns:a16="http://schemas.microsoft.com/office/drawing/2014/main" id="{72A2352D-0ECE-F98C-CD96-EA80F516B03C}"/>
+              </a:ext>
+            </a:extLst>
+          </p:cNvPr>
+          <p:cNvSpPr txBox="1"/>
+          <p:nvPr/>
+        </p:nvSpPr>
+        <p:spPr>
+          <a:xfrm>
+            <a:off x="2524855" y="3883518"/>
+            <a:ext cx="757898" cy="461665"/>
+          </a:xfrm>
+          <a:prstGeom prst="rect">
+            <a:avLst/>
+          </a:prstGeom>
+          <a:noFill/>
+        </p:spPr>
+        <p:txBody>
+          <a:bodyPr wrap="square" rtlCol="0">
+            <a:spAutoFit/>
+          </a:bodyPr>
+          <a:lstStyle/>
+          <a:p>
+            <a:r>
+              <a:rPr lang="en-US" sz="2400" dirty="0">
+                <a:highlight>
+                  <a:srgbClr val="FFFFFF"/>
+                </a:highlight>
+              </a:rPr>
+              <a:t>1.1V</a:t>
+            </a:r>
+          </a:p>
+        </p:txBody>
+      </p:sp>
+      <p:sp>
+        <p:nvSpPr>
+          <p:cNvPr id="11" name="TextBox 10">
+            <a:extLst>
+              <a:ext uri="{FF2B5EF4-FFF2-40B4-BE49-F238E27FC236}">
+                <a16:creationId xmlns:a16="http://schemas.microsoft.com/office/drawing/2014/main" id="{776DFEC7-A12F-5991-037A-D930523EA235}"/>
+              </a:ext>
+            </a:extLst>
+          </p:cNvPr>
+          <p:cNvSpPr txBox="1"/>
+          <p:nvPr/>
+        </p:nvSpPr>
+        <p:spPr>
+          <a:xfrm>
+            <a:off x="1410790" y="1752827"/>
+            <a:ext cx="2116182" cy="830997"/>
+          </a:xfrm>
+          <a:prstGeom prst="rect">
+            <a:avLst/>
+          </a:prstGeom>
+          <a:noFill/>
+        </p:spPr>
+        <p:txBody>
+          <a:bodyPr wrap="square" rtlCol="0">
+            <a:spAutoFit/>
+          </a:bodyPr>
+          <a:lstStyle/>
+          <a:p>
+            <a:pPr algn="ctr"/>
+            <a:r>
+              <a:rPr lang="en-US" sz="2400" dirty="0">
+                <a:highlight>
+                  <a:srgbClr val="FFFFFF"/>
+                </a:highlight>
+              </a:rPr>
+              <a:t>200 MHz 2.5V CLK IN</a:t>
+            </a:r>
+          </a:p>
+        </p:txBody>
+      </p:sp>
+      <p:sp>
+        <p:nvSpPr>
+          <p:cNvPr id="12" name="TextBox 11">
+            <a:extLst>
+              <a:ext uri="{FF2B5EF4-FFF2-40B4-BE49-F238E27FC236}">
+                <a16:creationId xmlns:a16="http://schemas.microsoft.com/office/drawing/2014/main" id="{D9747321-FF8E-F124-A743-89876802B7EF}"/>
+              </a:ext>
+            </a:extLst>
+          </p:cNvPr>
+          <p:cNvSpPr txBox="1"/>
+          <p:nvPr/>
+        </p:nvSpPr>
+        <p:spPr>
+          <a:xfrm>
+            <a:off x="4764424" y="2651254"/>
+            <a:ext cx="757898" cy="461665"/>
+          </a:xfrm>
+          <a:prstGeom prst="rect">
+            <a:avLst/>
+          </a:prstGeom>
+          <a:noFill/>
+        </p:spPr>
+        <p:txBody>
+          <a:bodyPr wrap="square" rtlCol="0">
+            <a:spAutoFit/>
+          </a:bodyPr>
+          <a:lstStyle/>
+          <a:p>
+            <a:r>
+              <a:rPr lang="en-US" sz="2400" dirty="0">
+                <a:highlight>
+                  <a:srgbClr val="FFFFFF"/>
+                </a:highlight>
+              </a:rPr>
+              <a:t>1pF</a:t>
+            </a:r>
+          </a:p>
+        </p:txBody>
+      </p:sp>
+      <p:sp>
+        <p:nvSpPr>
+          <p:cNvPr id="13" name="TextBox 12">
+            <a:extLst>
+              <a:ext uri="{FF2B5EF4-FFF2-40B4-BE49-F238E27FC236}">
+                <a16:creationId xmlns:a16="http://schemas.microsoft.com/office/drawing/2014/main" id="{7690057D-B046-F8EA-D1B2-C030F3FAC891}"/>
+              </a:ext>
+            </a:extLst>
+          </p:cNvPr>
+          <p:cNvSpPr txBox="1"/>
+          <p:nvPr/>
+        </p:nvSpPr>
+        <p:spPr>
+          <a:xfrm>
+            <a:off x="7201693" y="2662202"/>
+            <a:ext cx="757898" cy="461665"/>
+          </a:xfrm>
+          <a:prstGeom prst="rect">
+            <a:avLst/>
+          </a:prstGeom>
+          <a:noFill/>
+        </p:spPr>
+        <p:txBody>
+          <a:bodyPr wrap="square" rtlCol="0">
+            <a:spAutoFit/>
+          </a:bodyPr>
+          <a:lstStyle/>
+          <a:p>
+            <a:r>
+              <a:rPr lang="en-US" sz="2400" dirty="0">
+                <a:highlight>
+                  <a:srgbClr val="FFFFFF"/>
+                </a:highlight>
+              </a:rPr>
+              <a:t>1pF</a:t>
+            </a:r>
+          </a:p>
+        </p:txBody>
+      </p:sp>
+      <p:sp>
+        <p:nvSpPr>
+          <p:cNvPr id="14" name="TextBox 13">
+            <a:extLst>
+              <a:ext uri="{FF2B5EF4-FFF2-40B4-BE49-F238E27FC236}">
+                <a16:creationId xmlns:a16="http://schemas.microsoft.com/office/drawing/2014/main" id="{B4640575-620B-6849-DD07-19AD22C6F122}"/>
+              </a:ext>
+            </a:extLst>
+          </p:cNvPr>
+          <p:cNvSpPr txBox="1"/>
+          <p:nvPr/>
+        </p:nvSpPr>
+        <p:spPr>
+          <a:xfrm>
+            <a:off x="4755672" y="5076591"/>
+            <a:ext cx="757898" cy="461665"/>
+          </a:xfrm>
+          <a:prstGeom prst="rect">
+            <a:avLst/>
+          </a:prstGeom>
+          <a:noFill/>
+        </p:spPr>
+        <p:txBody>
+          <a:bodyPr wrap="square" rtlCol="0">
+            <a:spAutoFit/>
+          </a:bodyPr>
+          <a:lstStyle/>
+          <a:p>
+            <a:r>
+              <a:rPr lang="en-US" sz="2400" dirty="0">
+                <a:highlight>
+                  <a:srgbClr val="FFFFFF"/>
+                </a:highlight>
+              </a:rPr>
+              <a:t>1pF</a:t>
+            </a:r>
+          </a:p>
+        </p:txBody>
+      </p:sp>
+      <p:sp>
+        <p:nvSpPr>
+          <p:cNvPr id="15" name="TextBox 14">
+            <a:extLst>
+              <a:ext uri="{FF2B5EF4-FFF2-40B4-BE49-F238E27FC236}">
+                <a16:creationId xmlns:a16="http://schemas.microsoft.com/office/drawing/2014/main" id="{4997D4D3-B873-C909-D188-78D98EEF34EB}"/>
+              </a:ext>
+            </a:extLst>
+          </p:cNvPr>
+          <p:cNvSpPr txBox="1"/>
+          <p:nvPr/>
+        </p:nvSpPr>
+        <p:spPr>
+          <a:xfrm>
+            <a:off x="7192941" y="5087539"/>
+            <a:ext cx="757898" cy="461665"/>
+          </a:xfrm>
+          <a:prstGeom prst="rect">
+            <a:avLst/>
+          </a:prstGeom>
+          <a:noFill/>
+        </p:spPr>
+        <p:txBody>
+          <a:bodyPr wrap="square" rtlCol="0">
+            <a:spAutoFit/>
+          </a:bodyPr>
+          <a:lstStyle/>
+          <a:p>
+            <a:r>
+              <a:rPr lang="en-US" sz="2400" dirty="0">
+                <a:highlight>
+                  <a:srgbClr val="FFFFFF"/>
+                </a:highlight>
+              </a:rPr>
+              <a:t>1pF</a:t>
+            </a:r>
+          </a:p>
+        </p:txBody>
+      </p:sp>
+      <p:sp>
+        <p:nvSpPr>
+          <p:cNvPr id="16" name="TextBox 15">
+            <a:extLst>
+              <a:ext uri="{FF2B5EF4-FFF2-40B4-BE49-F238E27FC236}">
+                <a16:creationId xmlns:a16="http://schemas.microsoft.com/office/drawing/2014/main" id="{CD928830-13FC-1DA4-C4FD-FB004F99E8FE}"/>
+              </a:ext>
+            </a:extLst>
+          </p:cNvPr>
+          <p:cNvSpPr txBox="1"/>
+          <p:nvPr/>
+        </p:nvSpPr>
+        <p:spPr>
+          <a:xfrm>
+            <a:off x="8817808" y="3888028"/>
+            <a:ext cx="2116182" cy="461665"/>
+          </a:xfrm>
+          <a:prstGeom prst="rect">
+            <a:avLst/>
+          </a:prstGeom>
+          <a:noFill/>
+        </p:spPr>
+        <p:txBody>
+          <a:bodyPr wrap="square" rtlCol="0">
+            <a:spAutoFit/>
+          </a:bodyPr>
+          <a:lstStyle/>
+          <a:p>
+            <a:pPr algn="ctr"/>
+            <a:r>
+              <a:rPr lang="en-US" sz="2400" dirty="0">
+                <a:highlight>
+                  <a:srgbClr val="FFFFFF"/>
+                </a:highlight>
+              </a:rPr>
+              <a:t>OUT BIAS</a:t>
+            </a:r>
+          </a:p>
+        </p:txBody>
+      </p:sp>
+      <p:sp>
+        <p:nvSpPr>
+          <p:cNvPr id="17" name="TextBox 16">
+            <a:extLst>
+              <a:ext uri="{FF2B5EF4-FFF2-40B4-BE49-F238E27FC236}">
+                <a16:creationId xmlns:a16="http://schemas.microsoft.com/office/drawing/2014/main" id="{6F0FB125-5BDC-B8C3-1986-FCB8555AE6F8}"/>
+              </a:ext>
+            </a:extLst>
+          </p:cNvPr>
+          <p:cNvSpPr txBox="1"/>
+          <p:nvPr/>
+        </p:nvSpPr>
+        <p:spPr>
+          <a:xfrm>
+            <a:off x="8728546" y="4946920"/>
+            <a:ext cx="1467015" cy="914097"/>
+          </a:xfrm>
+          <a:prstGeom prst="rect">
+            <a:avLst/>
+          </a:prstGeom>
+          <a:noFill/>
+        </p:spPr>
+        <p:txBody>
+          <a:bodyPr wrap="square" rtlCol="0">
+            <a:spAutoFit/>
+          </a:bodyPr>
+          <a:lstStyle/>
+          <a:p>
+            <a:pPr algn="ctr"/>
+            <a:r>
+              <a:rPr lang="en-US" sz="2400" dirty="0">
+                <a:highlight>
+                  <a:srgbClr val="FFFFFF"/>
+                </a:highlight>
+              </a:rPr>
+              <a:t>NEM relay load cap</a:t>
+            </a:r>
+          </a:p>
+        </p:txBody>
+      </p:sp>
+      <p:sp>
+        <p:nvSpPr>
+          <p:cNvPr id="19" name="TextBox 18">
+            <a:extLst>
+              <a:ext uri="{FF2B5EF4-FFF2-40B4-BE49-F238E27FC236}">
+                <a16:creationId xmlns:a16="http://schemas.microsoft.com/office/drawing/2014/main" id="{4303DB5A-46DD-C800-FFF6-A1EA0B75DE4A}"/>
+              </a:ext>
+            </a:extLst>
+          </p:cNvPr>
+          <p:cNvSpPr txBox="1"/>
+          <p:nvPr/>
+        </p:nvSpPr>
+        <p:spPr>
+          <a:xfrm>
+            <a:off x="8902520" y="4614544"/>
+            <a:ext cx="1068225" cy="461665"/>
+          </a:xfrm>
+          <a:prstGeom prst="rect">
+            <a:avLst/>
+          </a:prstGeom>
+          <a:noFill/>
+        </p:spPr>
+        <p:txBody>
+          <a:bodyPr wrap="square" rtlCol="0">
+            <a:spAutoFit/>
+          </a:bodyPr>
+          <a:lstStyle/>
+          <a:p>
+            <a:r>
+              <a:rPr lang="en-US" sz="2400" dirty="0">
+                <a:highlight>
+                  <a:srgbClr val="FFFFFF"/>
+                </a:highlight>
+              </a:rPr>
+              <a:t> 100pF</a:t>
+            </a:r>
+          </a:p>
+        </p:txBody>
+      </p:sp>
+      <p:sp>
+        <p:nvSpPr>
+          <p:cNvPr id="21" name="Extract 20">
+            <a:extLst>
+              <a:ext uri="{FF2B5EF4-FFF2-40B4-BE49-F238E27FC236}">
+                <a16:creationId xmlns:a16="http://schemas.microsoft.com/office/drawing/2014/main" id="{3C476D25-B426-094A-01C0-9669A2FDD87D}"/>
+              </a:ext>
+            </a:extLst>
+          </p:cNvPr>
+          <p:cNvSpPr/>
+          <p:nvPr/>
+        </p:nvSpPr>
+        <p:spPr>
+          <a:xfrm rot="5400000">
+            <a:off x="3328956" y="5402815"/>
+            <a:ext cx="353504" cy="334546"/>
+          </a:xfrm>
+          <a:prstGeom prst="flowChartExtract">
+            <a:avLst/>
+          </a:prstGeom>
+          <a:solidFill>
+            <a:schemeClr val="bg1"/>
+          </a:solidFill>
+          <a:ln>
+            <a:noFill/>
+          </a:ln>
+        </p:spPr>
+        <p:style>
+          <a:lnRef idx="2">
+            <a:schemeClr val="accent1">
+              <a:shade val="50000"/>
+            </a:schemeClr>
+          </a:lnRef>
+          <a:fillRef idx="1">
+            <a:schemeClr val="accent1"/>
+          </a:fillRef>
+          <a:effectRef idx="0">
+            <a:schemeClr val="accent1"/>
+          </a:effectRef>
+          <a:fontRef idx="minor">
+            <a:schemeClr val="lt1"/>
+          </a:fontRef>
+        </p:style>
+        <p:txBody>
+          <a:bodyPr rtlCol="0" anchor="ctr"/>
+          <a:lstStyle/>
+          <a:p>
+            <a:pPr algn="ctr"/>
+            <a:endParaRPr lang="en-US"/>
+          </a:p>
+        </p:txBody>
+      </p:sp>
+    </p:spTree>
+    <p:extLst>
+      <p:ext uri="{BB962C8B-B14F-4D97-AF65-F5344CB8AC3E}">
+        <p14:creationId xmlns:p14="http://schemas.microsoft.com/office/powerpoint/2010/main" val="2120961542"/>
       </p:ext>
     </p:extLst>
   </p:cSld>
